--- a/doc/Prezent.pptx
+++ b/doc/Prezent.pptx
@@ -11,14 +11,19 @@
     <p:sldId id="268" r:id="rId5"/>
     <p:sldId id="271" r:id="rId6"/>
     <p:sldId id="259" r:id="rId7"/>
-    <p:sldId id="265" r:id="rId8"/>
-    <p:sldId id="273" r:id="rId9"/>
-    <p:sldId id="270" r:id="rId10"/>
+    <p:sldId id="273" r:id="rId8"/>
+    <p:sldId id="265" r:id="rId9"/>
+    <p:sldId id="269" r:id="rId10"/>
     <p:sldId id="272" r:id="rId11"/>
-    <p:sldId id="269" r:id="rId12"/>
-    <p:sldId id="264" r:id="rId13"/>
-    <p:sldId id="267" r:id="rId14"/>
-    <p:sldId id="260" r:id="rId15"/>
+    <p:sldId id="264" r:id="rId12"/>
+    <p:sldId id="276" r:id="rId13"/>
+    <p:sldId id="274" r:id="rId14"/>
+    <p:sldId id="275" r:id="rId15"/>
+    <p:sldId id="277" r:id="rId16"/>
+    <p:sldId id="278" r:id="rId17"/>
+    <p:sldId id="279" r:id="rId18"/>
+    <p:sldId id="267" r:id="rId19"/>
+    <p:sldId id="260" r:id="rId20"/>
   </p:sldIdLst>
   <p:sldSz cx="9144000" cy="6858000" type="screen4x3"/>
   <p:notesSz cx="6858000" cy="9144000"/>
@@ -117,6 +122,22 @@
       </a:defRPr>
     </a:lvl9pPr>
   </p:defaultTextStyle>
+  <p:extLst>
+    <p:ext uri="{EFAFB233-063F-42B5-8137-9DF3F51BA10A}">
+      <p15:sldGuideLst xmlns:p15="http://schemas.microsoft.com/office/powerpoint/2012/main">
+        <p15:guide id="1" orient="horz" pos="2160">
+          <p15:clr>
+            <a:srgbClr val="A4A3A4"/>
+          </p15:clr>
+        </p15:guide>
+        <p15:guide id="2" pos="2880">
+          <p15:clr>
+            <a:srgbClr val="A4A3A4"/>
+          </p15:clr>
+        </p15:guide>
+      </p15:sldGuideLst>
+    </p:ext>
+  </p:extLst>
 </p:presentation>
 </file>
 
@@ -301,7 +322,7 @@
           <a:p>
             <a:fld id="{B4C71EC6-210F-42DE-9C53-41977AD35B3D}" type="datetimeFigureOut">
               <a:rPr lang="ru-RU" smtClean="0"/>
-              <a:t>31.01.2019</a:t>
+              <a:t>05.06.2019</a:t>
             </a:fld>
             <a:endParaRPr lang="ru-RU"/>
           </a:p>
@@ -466,7 +487,7 @@
           <a:p>
             <a:fld id="{B4C71EC6-210F-42DE-9C53-41977AD35B3D}" type="datetimeFigureOut">
               <a:rPr lang="ru-RU" smtClean="0"/>
-              <a:t>31.01.2019</a:t>
+              <a:t>05.06.2019</a:t>
             </a:fld>
             <a:endParaRPr lang="ru-RU"/>
           </a:p>
@@ -641,7 +662,7 @@
           <a:p>
             <a:fld id="{B4C71EC6-210F-42DE-9C53-41977AD35B3D}" type="datetimeFigureOut">
               <a:rPr lang="ru-RU" smtClean="0"/>
-              <a:t>31.01.2019</a:t>
+              <a:t>05.06.2019</a:t>
             </a:fld>
             <a:endParaRPr lang="ru-RU"/>
           </a:p>
@@ -806,7 +827,7 @@
           <a:p>
             <a:fld id="{B4C71EC6-210F-42DE-9C53-41977AD35B3D}" type="datetimeFigureOut">
               <a:rPr lang="ru-RU" smtClean="0"/>
-              <a:t>31.01.2019</a:t>
+              <a:t>05.06.2019</a:t>
             </a:fld>
             <a:endParaRPr lang="ru-RU"/>
           </a:p>
@@ -1047,7 +1068,7 @@
           <a:p>
             <a:fld id="{B4C71EC6-210F-42DE-9C53-41977AD35B3D}" type="datetimeFigureOut">
               <a:rPr lang="ru-RU" smtClean="0"/>
-              <a:t>31.01.2019</a:t>
+              <a:t>05.06.2019</a:t>
             </a:fld>
             <a:endParaRPr lang="ru-RU"/>
           </a:p>
@@ -1330,7 +1351,7 @@
           <a:p>
             <a:fld id="{B4C71EC6-210F-42DE-9C53-41977AD35B3D}" type="datetimeFigureOut">
               <a:rPr lang="ru-RU" smtClean="0"/>
-              <a:t>31.01.2019</a:t>
+              <a:t>05.06.2019</a:t>
             </a:fld>
             <a:endParaRPr lang="ru-RU"/>
           </a:p>
@@ -1747,7 +1768,7 @@
           <a:p>
             <a:fld id="{B4C71EC6-210F-42DE-9C53-41977AD35B3D}" type="datetimeFigureOut">
               <a:rPr lang="ru-RU" smtClean="0"/>
-              <a:t>31.01.2019</a:t>
+              <a:t>05.06.2019</a:t>
             </a:fld>
             <a:endParaRPr lang="ru-RU"/>
           </a:p>
@@ -1860,7 +1881,7 @@
           <a:p>
             <a:fld id="{B4C71EC6-210F-42DE-9C53-41977AD35B3D}" type="datetimeFigureOut">
               <a:rPr lang="ru-RU" smtClean="0"/>
-              <a:t>31.01.2019</a:t>
+              <a:t>05.06.2019</a:t>
             </a:fld>
             <a:endParaRPr lang="ru-RU"/>
           </a:p>
@@ -1950,7 +1971,7 @@
           <a:p>
             <a:fld id="{B4C71EC6-210F-42DE-9C53-41977AD35B3D}" type="datetimeFigureOut">
               <a:rPr lang="ru-RU" smtClean="0"/>
-              <a:t>31.01.2019</a:t>
+              <a:t>05.06.2019</a:t>
             </a:fld>
             <a:endParaRPr lang="ru-RU"/>
           </a:p>
@@ -2222,7 +2243,7 @@
           <a:p>
             <a:fld id="{B4C71EC6-210F-42DE-9C53-41977AD35B3D}" type="datetimeFigureOut">
               <a:rPr lang="ru-RU" smtClean="0"/>
-              <a:t>31.01.2019</a:t>
+              <a:t>05.06.2019</a:t>
             </a:fld>
             <a:endParaRPr lang="ru-RU"/>
           </a:p>
@@ -2470,7 +2491,7 @@
           <a:p>
             <a:fld id="{B4C71EC6-210F-42DE-9C53-41977AD35B3D}" type="datetimeFigureOut">
               <a:rPr lang="ru-RU" smtClean="0"/>
-              <a:t>31.01.2019</a:t>
+              <a:t>05.06.2019</a:t>
             </a:fld>
             <a:endParaRPr lang="ru-RU"/>
           </a:p>
@@ -2702,7 +2723,7 @@
           <a:p>
             <a:fld id="{B4C71EC6-210F-42DE-9C53-41977AD35B3D}" type="datetimeFigureOut">
               <a:rPr lang="ru-RU" smtClean="0"/>
-              <a:t>31.01.2019</a:t>
+              <a:t>05.06.2019</a:t>
             </a:fld>
             <a:endParaRPr lang="ru-RU"/>
           </a:p>
@@ -3137,8 +3158,8 @@
         </p:nvSpPr>
         <p:spPr>
           <a:xfrm>
-            <a:off x="3136403" y="1602282"/>
-            <a:ext cx="3015208" cy="523220"/>
+            <a:off x="3062113" y="1573292"/>
+            <a:ext cx="3163789" cy="523220"/>
           </a:xfrm>
           <a:prstGeom prst="rect">
             <a:avLst/>
@@ -3151,12 +3172,8 @@
           <a:lstStyle/>
           <a:p>
             <a:r>
-              <a:rPr lang="ru-RU" sz="2800" dirty="0"/>
-              <a:t>КУРСОВАЯ </a:t>
-            </a:r>
-            <a:r>
               <a:rPr lang="ru-RU" sz="2800" dirty="0" smtClean="0"/>
-              <a:t>РАБОТА</a:t>
+              <a:t>КУРСОВОЙ ПРОЕКТ</a:t>
             </a:r>
             <a:endParaRPr lang="ru-RU" sz="2800" dirty="0"/>
           </a:p>
@@ -3170,8 +3187,8 @@
         </p:nvSpPr>
         <p:spPr>
           <a:xfrm>
-            <a:off x="944942" y="2564904"/>
-            <a:ext cx="6900672" cy="1446550"/>
+            <a:off x="133669" y="2413300"/>
+            <a:ext cx="9020676" cy="1077218"/>
           </a:xfrm>
           <a:prstGeom prst="rect">
             <a:avLst/>
@@ -3185,20 +3202,18 @@
           <a:p>
             <a:pPr algn="ctr"/>
             <a:r>
-              <a:rPr lang="ru-RU" sz="4400" dirty="0" smtClean="0"/>
-              <a:t>Предсказание погоды </a:t>
-            </a:r>
-          </a:p>
-          <a:p>
-            <a:r>
-              <a:rPr lang="ru-RU" sz="4400" dirty="0"/>
-              <a:t>с</a:t>
-            </a:r>
-            <a:r>
-              <a:rPr lang="ru-RU" sz="4400" dirty="0" smtClean="0"/>
-              <a:t> помощью нейронной сети</a:t>
-            </a:r>
-            <a:endParaRPr lang="ru-RU" sz="4400" dirty="0"/>
+              <a:rPr lang="ru-RU" sz="3200" cap="all" dirty="0"/>
+              <a:t>Технологии кодирования и декодирования </a:t>
+            </a:r>
+            <a:endParaRPr lang="ru-RU" sz="3200" dirty="0"/>
+          </a:p>
+          <a:p>
+            <a:pPr algn="ctr"/>
+            <a:r>
+              <a:rPr lang="ru-RU" sz="3200" cap="all" dirty="0"/>
+              <a:t>информации в ИС</a:t>
+            </a:r>
+            <a:endParaRPr lang="ru-RU" sz="3200" dirty="0"/>
           </a:p>
         </p:txBody>
       </p:sp>
@@ -3226,7 +3241,11 @@
             <a:pPr algn="ctr"/>
             <a:r>
               <a:rPr lang="ru-RU" dirty="0" smtClean="0"/>
-              <a:t>Витебск, 2018</a:t>
+              <a:t>Витебск, </a:t>
+            </a:r>
+            <a:r>
+              <a:rPr lang="ru-RU" dirty="0" smtClean="0"/>
+              <a:t>2019</a:t>
             </a:r>
             <a:endParaRPr lang="ru-RU" dirty="0"/>
           </a:p>
@@ -3241,7 +3260,7 @@
         <p:spPr>
           <a:xfrm>
             <a:off x="7000893" y="5086169"/>
-            <a:ext cx="1721433" cy="646331"/>
+            <a:ext cx="1595758" cy="646331"/>
           </a:xfrm>
           <a:prstGeom prst="rect">
             <a:avLst/>
@@ -3261,11 +3280,11 @@
           <a:p>
             <a:r>
               <a:rPr lang="ru-RU" dirty="0" smtClean="0"/>
-              <a:t>Е.А. </a:t>
+              <a:t>В.В. </a:t>
             </a:r>
             <a:r>
               <a:rPr lang="ru-RU" dirty="0" err="1" smtClean="0"/>
-              <a:t>Корчевская</a:t>
+              <a:t>Шедько</a:t>
             </a:r>
             <a:endParaRPr lang="ru-RU" dirty="0"/>
           </a:p>
@@ -3338,7 +3357,7 @@
       </p:grpSpPr>
       <p:sp>
         <p:nvSpPr>
-          <p:cNvPr id="2" name="Заголовок 1"/>
+          <p:cNvPr id="4" name="Заголовок 3"/>
           <p:cNvSpPr>
             <a:spLocks noGrp="1"/>
           </p:cNvSpPr>
@@ -3355,7 +3374,14 @@
           <a:p>
             <a:r>
               <a:rPr lang="ru-RU" dirty="0" smtClean="0"/>
-              <a:t>Метод обратного распространения ошибки</a:t>
+              <a:t>Аналого-цифровое</a:t>
+            </a:r>
+            <a:br>
+              <a:rPr lang="ru-RU" dirty="0" smtClean="0"/>
+            </a:br>
+            <a:r>
+              <a:rPr lang="ru-RU" dirty="0" smtClean="0"/>
+              <a:t>преобразование сигнала</a:t>
             </a:r>
             <a:endParaRPr lang="ru-RU" dirty="0"/>
           </a:p>
@@ -3363,15 +3389,13 @@
       </p:sp>
       <p:pic>
         <p:nvPicPr>
-          <p:cNvPr id="5122" name="Picture 2" descr="https://i.ytimg.com/vi/mG8A-k9cDiU/maxresdefault.jpg"/>
+          <p:cNvPr id="1026" name="Picture 2" descr="Аналог в цифру"/>
           <p:cNvPicPr>
-            <a:picLocks noGrp="1" noChangeAspect="1" noChangeArrowheads="1"/>
+            <a:picLocks noChangeAspect="1" noChangeArrowheads="1"/>
           </p:cNvPicPr>
-          <p:nvPr>
-            <p:ph idx="1"/>
-          </p:nvPr>
+          <p:nvPr/>
         </p:nvPicPr>
-        <p:blipFill rotWithShape="1">
+        <p:blipFill>
           <a:blip r:embed="rId2">
             <a:extLst>
               <a:ext uri="{28A0092B-C50C-407E-A947-70E740481C1C}">
@@ -3379,18 +3403,23 @@
               </a:ext>
             </a:extLst>
           </a:blip>
-          <a:srcRect l="3052" t="15633" r="5552" b="18635"/>
-          <a:stretch/>
+          <a:srcRect/>
+          <a:stretch>
+            <a:fillRect/>
+          </a:stretch>
         </p:blipFill>
         <p:spPr bwMode="auto">
           <a:xfrm>
-            <a:off x="179512" y="2204864"/>
-            <a:ext cx="8721696" cy="3744416"/>
+            <a:off x="935596" y="1628800"/>
+            <a:ext cx="7272808" cy="4749747"/>
           </a:xfrm>
           <a:prstGeom prst="rect">
             <a:avLst/>
           </a:prstGeom>
           <a:noFill/>
+          <a:ln>
+            <a:noFill/>
+          </a:ln>
           <a:extLst>
             <a:ext uri="{909E8E84-426E-40DD-AFC4-6F175D3DCCD1}">
               <a14:hiddenFill xmlns:a14="http://schemas.microsoft.com/office/drawing/2010/main">
@@ -3398,6 +3427,16 @@
                   <a:srgbClr val="FFFFFF"/>
                 </a:solidFill>
               </a14:hiddenFill>
+            </a:ext>
+            <a:ext uri="{91240B29-F687-4F45-9708-019B960494DF}">
+              <a14:hiddenLine xmlns:a14="http://schemas.microsoft.com/office/drawing/2010/main" w="9525">
+                <a:solidFill>
+                  <a:srgbClr val="000000"/>
+                </a:solidFill>
+                <a:miter lim="800000"/>
+                <a:headEnd/>
+                <a:tailEnd/>
+              </a14:hiddenLine>
             </a:ext>
           </a:extLst>
         </p:spPr>
@@ -3416,265 +3455,6 @@
 </file>
 
 <file path=ppt/slides/slide11.xml><?xml version="1.0" encoding="utf-8"?>
-<p:sld xmlns:a="http://schemas.openxmlformats.org/drawingml/2006/main" xmlns:r="http://schemas.openxmlformats.org/officeDocument/2006/relationships" xmlns:p="http://schemas.openxmlformats.org/presentationml/2006/main">
-  <p:cSld>
-    <p:spTree>
-      <p:nvGrpSpPr>
-        <p:cNvPr id="1" name=""/>
-        <p:cNvGrpSpPr/>
-        <p:nvPr/>
-      </p:nvGrpSpPr>
-      <p:grpSpPr>
-        <a:xfrm>
-          <a:off x="0" y="0"/>
-          <a:ext cx="0" cy="0"/>
-          <a:chOff x="0" y="0"/>
-          <a:chExt cx="0" cy="0"/>
-        </a:xfrm>
-      </p:grpSpPr>
-      <p:sp>
-        <p:nvSpPr>
-          <p:cNvPr id="2" name="Заголовок 1"/>
-          <p:cNvSpPr>
-            <a:spLocks noGrp="1"/>
-          </p:cNvSpPr>
-          <p:nvPr>
-            <p:ph type="title"/>
-          </p:nvPr>
-        </p:nvSpPr>
-        <p:spPr>
-          <a:xfrm>
-            <a:off x="535210" y="0"/>
-            <a:ext cx="8229600" cy="1143000"/>
-          </a:xfrm>
-        </p:spPr>
-        <p:txBody>
-          <a:bodyPr/>
-          <a:lstStyle/>
-          <a:p>
-            <a:r>
-              <a:rPr lang="en-US" dirty="0" smtClean="0"/>
-              <a:t>NNL</a:t>
-            </a:r>
-            <a:endParaRPr lang="ru-RU" dirty="0"/>
-          </a:p>
-        </p:txBody>
-      </p:sp>
-      <p:sp>
-        <p:nvSpPr>
-          <p:cNvPr id="3" name="Объект 2"/>
-          <p:cNvSpPr>
-            <a:spLocks noGrp="1"/>
-          </p:cNvSpPr>
-          <p:nvPr>
-            <p:ph idx="1"/>
-          </p:nvPr>
-        </p:nvSpPr>
-        <p:spPr>
-          <a:xfrm>
-            <a:off x="457200" y="1196752"/>
-            <a:ext cx="8229600" cy="5256584"/>
-          </a:xfrm>
-        </p:spPr>
-        <p:txBody>
-          <a:bodyPr/>
-          <a:lstStyle/>
-          <a:p>
-            <a:pPr marL="0" indent="0">
-              <a:buNone/>
-            </a:pPr>
-            <a:endParaRPr lang="ru-RU" dirty="0"/>
-          </a:p>
-        </p:txBody>
-      </p:sp>
-      <p:pic>
-        <p:nvPicPr>
-          <p:cNvPr id="4098" name="Picture 2"/>
-          <p:cNvPicPr>
-            <a:picLocks noChangeAspect="1" noChangeArrowheads="1"/>
-          </p:cNvPicPr>
-          <p:nvPr/>
-        </p:nvPicPr>
-        <p:blipFill rotWithShape="1">
-          <a:blip r:embed="rId2">
-            <a:extLst>
-              <a:ext uri="{28A0092B-C50C-407E-A947-70E740481C1C}">
-                <a14:useLocalDpi xmlns:a14="http://schemas.microsoft.com/office/drawing/2010/main" val="0"/>
-              </a:ext>
-            </a:extLst>
-          </a:blip>
-          <a:srcRect l="4787" t="23732" r="78000" b="54104"/>
-          <a:stretch/>
-        </p:blipFill>
-        <p:spPr bwMode="auto">
-          <a:xfrm>
-            <a:off x="1265634" y="4005064"/>
-            <a:ext cx="3384376" cy="2450067"/>
-          </a:xfrm>
-          <a:prstGeom prst="rect">
-            <a:avLst/>
-          </a:prstGeom>
-          <a:ln>
-            <a:noFill/>
-          </a:ln>
-          <a:effectLst>
-            <a:outerShdw blurRad="292100" dist="139700" dir="2700000" algn="tl" rotWithShape="0">
-              <a:srgbClr val="333333">
-                <a:alpha val="65000"/>
-              </a:srgbClr>
-            </a:outerShdw>
-          </a:effectLst>
-          <a:extLst>
-            <a:ext uri="{909E8E84-426E-40DD-AFC4-6F175D3DCCD1}">
-              <a14:hiddenFill xmlns:a14="http://schemas.microsoft.com/office/drawing/2010/main">
-                <a:solidFill>
-                  <a:schemeClr val="accent1"/>
-                </a:solidFill>
-              </a14:hiddenFill>
-            </a:ext>
-            <a:ext uri="{91240B29-F687-4F45-9708-019B960494DF}">
-              <a14:hiddenLine xmlns:a14="http://schemas.microsoft.com/office/drawing/2010/main" w="9525">
-                <a:solidFill>
-                  <a:schemeClr val="tx1"/>
-                </a:solidFill>
-                <a:miter lim="800000"/>
-                <a:headEnd/>
-                <a:tailEnd/>
-              </a14:hiddenLine>
-            </a:ext>
-          </a:extLst>
-        </p:spPr>
-      </p:pic>
-      <p:pic>
-        <p:nvPicPr>
-          <p:cNvPr id="5" name="Picture 2"/>
-          <p:cNvPicPr>
-            <a:picLocks noChangeAspect="1" noChangeArrowheads="1"/>
-          </p:cNvPicPr>
-          <p:nvPr/>
-        </p:nvPicPr>
-        <p:blipFill rotWithShape="1">
-          <a:blip r:embed="rId2">
-            <a:extLst>
-              <a:ext uri="{28A0092B-C50C-407E-A947-70E740481C1C}">
-                <a14:useLocalDpi xmlns:a14="http://schemas.microsoft.com/office/drawing/2010/main" val="0"/>
-              </a:ext>
-            </a:extLst>
-          </a:blip>
-          <a:srcRect l="4787" t="45345" r="78000" b="38500"/>
-          <a:stretch/>
-        </p:blipFill>
-        <p:spPr bwMode="auto">
-          <a:xfrm>
-            <a:off x="633061" y="1484784"/>
-            <a:ext cx="3821115" cy="2016224"/>
-          </a:xfrm>
-          <a:prstGeom prst="rect">
-            <a:avLst/>
-          </a:prstGeom>
-          <a:ln>
-            <a:noFill/>
-          </a:ln>
-          <a:effectLst>
-            <a:outerShdw blurRad="292100" dist="139700" dir="2700000" algn="tl" rotWithShape="0">
-              <a:srgbClr val="333333">
-                <a:alpha val="65000"/>
-              </a:srgbClr>
-            </a:outerShdw>
-          </a:effectLst>
-          <a:extLst>
-            <a:ext uri="{909E8E84-426E-40DD-AFC4-6F175D3DCCD1}">
-              <a14:hiddenFill xmlns:a14="http://schemas.microsoft.com/office/drawing/2010/main">
-                <a:solidFill>
-                  <a:schemeClr val="accent1"/>
-                </a:solidFill>
-              </a14:hiddenFill>
-            </a:ext>
-            <a:ext uri="{91240B29-F687-4F45-9708-019B960494DF}">
-              <a14:hiddenLine xmlns:a14="http://schemas.microsoft.com/office/drawing/2010/main" w="9525">
-                <a:solidFill>
-                  <a:schemeClr val="tx1"/>
-                </a:solidFill>
-                <a:miter lim="800000"/>
-                <a:headEnd/>
-                <a:tailEnd/>
-              </a14:hiddenLine>
-            </a:ext>
-          </a:extLst>
-        </p:spPr>
-      </p:pic>
-      <p:pic>
-        <p:nvPicPr>
-          <p:cNvPr id="6" name="Picture 2"/>
-          <p:cNvPicPr>
-            <a:picLocks noChangeAspect="1" noChangeArrowheads="1"/>
-          </p:cNvPicPr>
-          <p:nvPr/>
-        </p:nvPicPr>
-        <p:blipFill rotWithShape="1">
-          <a:blip r:embed="rId2">
-            <a:extLst>
-              <a:ext uri="{28A0092B-C50C-407E-A947-70E740481C1C}">
-                <a14:useLocalDpi xmlns:a14="http://schemas.microsoft.com/office/drawing/2010/main" val="0"/>
-              </a:ext>
-            </a:extLst>
-          </a:blip>
-          <a:srcRect l="4787" t="61616" r="78000" b="11957"/>
-          <a:stretch/>
-        </p:blipFill>
-        <p:spPr bwMode="auto">
-          <a:xfrm>
-            <a:off x="5103668" y="2023812"/>
-            <a:ext cx="3422612" cy="2954391"/>
-          </a:xfrm>
-          <a:prstGeom prst="rect">
-            <a:avLst/>
-          </a:prstGeom>
-          <a:ln>
-            <a:noFill/>
-          </a:ln>
-          <a:effectLst>
-            <a:outerShdw blurRad="292100" dist="139700" dir="2700000" algn="tl" rotWithShape="0">
-              <a:srgbClr val="333333">
-                <a:alpha val="65000"/>
-              </a:srgbClr>
-            </a:outerShdw>
-          </a:effectLst>
-          <a:extLst>
-            <a:ext uri="{909E8E84-426E-40DD-AFC4-6F175D3DCCD1}">
-              <a14:hiddenFill xmlns:a14="http://schemas.microsoft.com/office/drawing/2010/main">
-                <a:solidFill>
-                  <a:schemeClr val="accent1"/>
-                </a:solidFill>
-              </a14:hiddenFill>
-            </a:ext>
-            <a:ext uri="{91240B29-F687-4F45-9708-019B960494DF}">
-              <a14:hiddenLine xmlns:a14="http://schemas.microsoft.com/office/drawing/2010/main" w="9525">
-                <a:solidFill>
-                  <a:schemeClr val="tx1"/>
-                </a:solidFill>
-                <a:miter lim="800000"/>
-                <a:headEnd/>
-                <a:tailEnd/>
-              </a14:hiddenLine>
-            </a:ext>
-          </a:extLst>
-        </p:spPr>
-      </p:pic>
-    </p:spTree>
-    <p:extLst>
-      <p:ext uri="{BB962C8B-B14F-4D97-AF65-F5344CB8AC3E}">
-        <p14:creationId xmlns:p14="http://schemas.microsoft.com/office/powerpoint/2010/main" val="2769834638"/>
-      </p:ext>
-    </p:extLst>
-  </p:cSld>
-  <p:clrMapOvr>
-    <a:masterClrMapping/>
-  </p:clrMapOvr>
-</p:sld>
-</file>
-
-<file path=ppt/slides/slide12.xml><?xml version="1.0" encoding="utf-8"?>
 <p:sld xmlns:a="http://schemas.openxmlformats.org/drawingml/2006/main" xmlns:r="http://schemas.openxmlformats.org/officeDocument/2006/relationships" xmlns:p="http://schemas.openxmlformats.org/presentationml/2006/main">
   <p:cSld>
     <p:spTree>
@@ -3794,6 +3574,92 @@
 </p:sld>
 </file>
 
+<file path=ppt/slides/slide12.xml><?xml version="1.0" encoding="utf-8"?>
+<p:sld xmlns:a="http://schemas.openxmlformats.org/drawingml/2006/main" xmlns:r="http://schemas.openxmlformats.org/officeDocument/2006/relationships" xmlns:p="http://schemas.openxmlformats.org/presentationml/2006/main">
+  <p:cSld>
+    <p:spTree>
+      <p:nvGrpSpPr>
+        <p:cNvPr id="1" name=""/>
+        <p:cNvGrpSpPr/>
+        <p:nvPr/>
+      </p:nvGrpSpPr>
+      <p:grpSpPr>
+        <a:xfrm>
+          <a:off x="0" y="0"/>
+          <a:ext cx="0" cy="0"/>
+          <a:chOff x="0" y="0"/>
+          <a:chExt cx="0" cy="0"/>
+        </a:xfrm>
+      </p:grpSpPr>
+      <p:sp>
+        <p:nvSpPr>
+          <p:cNvPr id="2" name="Заголовок 1"/>
+          <p:cNvSpPr>
+            <a:spLocks noGrp="1"/>
+          </p:cNvSpPr>
+          <p:nvPr>
+            <p:ph type="title"/>
+          </p:nvPr>
+        </p:nvSpPr>
+        <p:spPr/>
+        <p:txBody>
+          <a:bodyPr/>
+          <a:lstStyle/>
+          <a:p>
+            <a:r>
+              <a:rPr lang="ru-RU" dirty="0" smtClean="0"/>
+              <a:t>Числа</a:t>
+            </a:r>
+            <a:endParaRPr lang="ru-RU" dirty="0"/>
+          </a:p>
+        </p:txBody>
+      </p:sp>
+      <p:pic>
+        <p:nvPicPr>
+          <p:cNvPr id="4" name="Рисунок 3"/>
+          <p:cNvPicPr/>
+          <p:nvPr/>
+        </p:nvPicPr>
+        <p:blipFill>
+          <a:blip r:embed="rId2">
+            <a:extLst>
+              <a:ext uri="{28A0092B-C50C-407E-A947-70E740481C1C}">
+                <a14:useLocalDpi xmlns:a14="http://schemas.microsoft.com/office/drawing/2010/main" val="0"/>
+              </a:ext>
+            </a:extLst>
+          </a:blip>
+          <a:srcRect/>
+          <a:stretch>
+            <a:fillRect/>
+          </a:stretch>
+        </p:blipFill>
+        <p:spPr bwMode="auto">
+          <a:xfrm>
+            <a:off x="1194589" y="1556792"/>
+            <a:ext cx="6754822" cy="5040560"/>
+          </a:xfrm>
+          <a:prstGeom prst="rect">
+            <a:avLst/>
+          </a:prstGeom>
+          <a:noFill/>
+          <a:ln>
+            <a:noFill/>
+          </a:ln>
+        </p:spPr>
+      </p:pic>
+    </p:spTree>
+    <p:extLst>
+      <p:ext uri="{BB962C8B-B14F-4D97-AF65-F5344CB8AC3E}">
+        <p14:creationId xmlns:p14="http://schemas.microsoft.com/office/powerpoint/2010/main" val="1943634804"/>
+      </p:ext>
+    </p:extLst>
+  </p:cSld>
+  <p:clrMapOvr>
+    <a:masterClrMapping/>
+  </p:clrMapOvr>
+</p:sld>
+</file>
+
 <file path=ppt/slides/slide13.xml><?xml version="1.0" encoding="utf-8"?>
 <p:sld xmlns:a="http://schemas.openxmlformats.org/drawingml/2006/main" xmlns:r="http://schemas.openxmlformats.org/officeDocument/2006/relationships" xmlns:p="http://schemas.openxmlformats.org/presentationml/2006/main">
   <p:cSld>
@@ -3821,6 +3687,271 @@
             <p:ph type="title"/>
           </p:nvPr>
         </p:nvSpPr>
+        <p:spPr/>
+        <p:txBody>
+          <a:bodyPr/>
+          <a:lstStyle/>
+          <a:p>
+            <a:r>
+              <a:rPr lang="ru-RU" dirty="0" err="1" smtClean="0"/>
+              <a:t>Френк</a:t>
+            </a:r>
+            <a:r>
+              <a:rPr lang="ru-RU" dirty="0" smtClean="0"/>
+              <a:t> Грей</a:t>
+            </a:r>
+            <a:endParaRPr lang="ru-RU" dirty="0"/>
+          </a:p>
+        </p:txBody>
+      </p:sp>
+      <p:pic>
+        <p:nvPicPr>
+          <p:cNvPr id="4" name="Рисунок 3" descr="https://image.jimcdn.com/app/cms/image/transf/none/path/s852245538a9d7523/image/i6fc34803fe6b85e2/version/1403897848/image.png"/>
+          <p:cNvPicPr/>
+          <p:nvPr/>
+        </p:nvPicPr>
+        <p:blipFill>
+          <a:blip r:embed="rId2">
+            <a:extLst>
+              <a:ext uri="{28A0092B-C50C-407E-A947-70E740481C1C}">
+                <a14:useLocalDpi xmlns:a14="http://schemas.microsoft.com/office/drawing/2010/main" val="0"/>
+              </a:ext>
+            </a:extLst>
+          </a:blip>
+          <a:srcRect/>
+          <a:stretch>
+            <a:fillRect/>
+          </a:stretch>
+        </p:blipFill>
+        <p:spPr bwMode="auto">
+          <a:xfrm>
+            <a:off x="2627330" y="1484784"/>
+            <a:ext cx="3889340" cy="4921652"/>
+          </a:xfrm>
+          <a:prstGeom prst="rect">
+            <a:avLst/>
+          </a:prstGeom>
+          <a:noFill/>
+          <a:ln>
+            <a:noFill/>
+          </a:ln>
+        </p:spPr>
+      </p:pic>
+    </p:spTree>
+    <p:extLst>
+      <p:ext uri="{BB962C8B-B14F-4D97-AF65-F5344CB8AC3E}">
+        <p14:creationId xmlns:p14="http://schemas.microsoft.com/office/powerpoint/2010/main" val="2011241052"/>
+      </p:ext>
+    </p:extLst>
+  </p:cSld>
+  <p:clrMapOvr>
+    <a:masterClrMapping/>
+  </p:clrMapOvr>
+</p:sld>
+</file>
+
+<file path=ppt/slides/slide14.xml><?xml version="1.0" encoding="utf-8"?>
+<p:sld xmlns:a="http://schemas.openxmlformats.org/drawingml/2006/main" xmlns:r="http://schemas.openxmlformats.org/officeDocument/2006/relationships" xmlns:p="http://schemas.openxmlformats.org/presentationml/2006/main">
+  <p:cSld>
+    <p:spTree>
+      <p:nvGrpSpPr>
+        <p:cNvPr id="1" name=""/>
+        <p:cNvGrpSpPr/>
+        <p:nvPr/>
+      </p:nvGrpSpPr>
+      <p:grpSpPr>
+        <a:xfrm>
+          <a:off x="0" y="0"/>
+          <a:ext cx="0" cy="0"/>
+          <a:chOff x="0" y="0"/>
+          <a:chExt cx="0" cy="0"/>
+        </a:xfrm>
+      </p:grpSpPr>
+      <p:sp>
+        <p:nvSpPr>
+          <p:cNvPr id="2" name="Заголовок 1"/>
+          <p:cNvSpPr>
+            <a:spLocks noGrp="1"/>
+          </p:cNvSpPr>
+          <p:nvPr>
+            <p:ph type="title"/>
+          </p:nvPr>
+        </p:nvSpPr>
+        <p:spPr/>
+        <p:txBody>
+          <a:bodyPr/>
+          <a:lstStyle/>
+          <a:p>
+            <a:r>
+              <a:rPr lang="ru-RU" dirty="0" smtClean="0"/>
+              <a:t>Код Грея</a:t>
+            </a:r>
+            <a:endParaRPr lang="ru-RU" dirty="0"/>
+          </a:p>
+        </p:txBody>
+      </p:sp>
+      <p:pic>
+        <p:nvPicPr>
+          <p:cNvPr id="4" name="Рисунок 3"/>
+          <p:cNvPicPr/>
+          <p:nvPr/>
+        </p:nvPicPr>
+        <p:blipFill>
+          <a:blip r:embed="rId2">
+            <a:extLst>
+              <a:ext uri="{28A0092B-C50C-407E-A947-70E740481C1C}">
+                <a14:useLocalDpi xmlns:a14="http://schemas.microsoft.com/office/drawing/2010/main" val="0"/>
+              </a:ext>
+            </a:extLst>
+          </a:blip>
+          <a:srcRect/>
+          <a:stretch>
+            <a:fillRect/>
+          </a:stretch>
+        </p:blipFill>
+        <p:spPr bwMode="auto">
+          <a:xfrm>
+            <a:off x="143508" y="1988840"/>
+            <a:ext cx="8856984" cy="3744416"/>
+          </a:xfrm>
+          <a:prstGeom prst="rect">
+            <a:avLst/>
+          </a:prstGeom>
+          <a:noFill/>
+          <a:ln>
+            <a:noFill/>
+          </a:ln>
+        </p:spPr>
+      </p:pic>
+    </p:spTree>
+    <p:extLst>
+      <p:ext uri="{BB962C8B-B14F-4D97-AF65-F5344CB8AC3E}">
+        <p14:creationId xmlns:p14="http://schemas.microsoft.com/office/powerpoint/2010/main" val="1594745014"/>
+      </p:ext>
+    </p:extLst>
+  </p:cSld>
+  <p:clrMapOvr>
+    <a:masterClrMapping/>
+  </p:clrMapOvr>
+</p:sld>
+</file>
+
+<file path=ppt/slides/slide15.xml><?xml version="1.0" encoding="utf-8"?>
+<p:sld xmlns:a="http://schemas.openxmlformats.org/drawingml/2006/main" xmlns:r="http://schemas.openxmlformats.org/officeDocument/2006/relationships" xmlns:p="http://schemas.openxmlformats.org/presentationml/2006/main">
+  <p:cSld>
+    <p:spTree>
+      <p:nvGrpSpPr>
+        <p:cNvPr id="1" name=""/>
+        <p:cNvGrpSpPr/>
+        <p:nvPr/>
+      </p:nvGrpSpPr>
+      <p:grpSpPr>
+        <a:xfrm>
+          <a:off x="0" y="0"/>
+          <a:ext cx="0" cy="0"/>
+          <a:chOff x="0" y="0"/>
+          <a:chExt cx="0" cy="0"/>
+        </a:xfrm>
+      </p:grpSpPr>
+      <p:sp>
+        <p:nvSpPr>
+          <p:cNvPr id="2" name="Заголовок 1"/>
+          <p:cNvSpPr>
+            <a:spLocks noGrp="1"/>
+          </p:cNvSpPr>
+          <p:nvPr>
+            <p:ph type="title"/>
+          </p:nvPr>
+        </p:nvSpPr>
+        <p:spPr/>
+        <p:txBody>
+          <a:bodyPr/>
+          <a:lstStyle/>
+          <a:p>
+            <a:r>
+              <a:rPr lang="ru-RU" dirty="0" smtClean="0"/>
+              <a:t>Строки</a:t>
+            </a:r>
+            <a:endParaRPr lang="ru-RU" dirty="0"/>
+          </a:p>
+        </p:txBody>
+      </p:sp>
+      <p:pic>
+        <p:nvPicPr>
+          <p:cNvPr id="4" name="Рисунок 3"/>
+          <p:cNvPicPr/>
+          <p:nvPr/>
+        </p:nvPicPr>
+        <p:blipFill rotWithShape="1">
+          <a:blip r:embed="rId2">
+            <a:extLst>
+              <a:ext uri="{28A0092B-C50C-407E-A947-70E740481C1C}">
+                <a14:useLocalDpi xmlns:a14="http://schemas.microsoft.com/office/drawing/2010/main" val="0"/>
+              </a:ext>
+            </a:extLst>
+          </a:blip>
+          <a:srcRect l="1029" t="1351"/>
+          <a:stretch/>
+        </p:blipFill>
+        <p:spPr bwMode="auto">
+          <a:xfrm>
+            <a:off x="318356" y="1988840"/>
+            <a:ext cx="8507288" cy="3632294"/>
+          </a:xfrm>
+          <a:prstGeom prst="rect">
+            <a:avLst/>
+          </a:prstGeom>
+          <a:noFill/>
+          <a:ln>
+            <a:noFill/>
+          </a:ln>
+          <a:extLst>
+            <a:ext uri="{53640926-AAD7-44D8-BBD7-CCE9431645EC}">
+              <a14:shadowObscured xmlns:a14="http://schemas.microsoft.com/office/drawing/2010/main"/>
+            </a:ext>
+          </a:extLst>
+        </p:spPr>
+      </p:pic>
+    </p:spTree>
+    <p:extLst>
+      <p:ext uri="{BB962C8B-B14F-4D97-AF65-F5344CB8AC3E}">
+        <p14:creationId xmlns:p14="http://schemas.microsoft.com/office/powerpoint/2010/main" val="1425008368"/>
+      </p:ext>
+    </p:extLst>
+  </p:cSld>
+  <p:clrMapOvr>
+    <a:masterClrMapping/>
+  </p:clrMapOvr>
+</p:sld>
+</file>
+
+<file path=ppt/slides/slide16.xml><?xml version="1.0" encoding="utf-8"?>
+<p:sld xmlns:a="http://schemas.openxmlformats.org/drawingml/2006/main" xmlns:r="http://schemas.openxmlformats.org/officeDocument/2006/relationships" xmlns:p="http://schemas.openxmlformats.org/presentationml/2006/main">
+  <p:cSld>
+    <p:spTree>
+      <p:nvGrpSpPr>
+        <p:cNvPr id="1" name=""/>
+        <p:cNvGrpSpPr/>
+        <p:nvPr/>
+      </p:nvGrpSpPr>
+      <p:grpSpPr>
+        <a:xfrm>
+          <a:off x="0" y="0"/>
+          <a:ext cx="0" cy="0"/>
+          <a:chOff x="0" y="0"/>
+          <a:chExt cx="0" cy="0"/>
+        </a:xfrm>
+      </p:grpSpPr>
+      <p:sp>
+        <p:nvSpPr>
+          <p:cNvPr id="2" name="Заголовок 1"/>
+          <p:cNvSpPr>
+            <a:spLocks noGrp="1"/>
+          </p:cNvSpPr>
+          <p:nvPr>
+            <p:ph type="title"/>
+          </p:nvPr>
+        </p:nvSpPr>
         <p:spPr>
           <a:xfrm>
             <a:off x="467544" y="116632"/>
@@ -3833,6 +3964,188 @@
           <a:p>
             <a:r>
               <a:rPr lang="ru-RU" dirty="0" smtClean="0"/>
+              <a:t>Цвета</a:t>
+            </a:r>
+            <a:endParaRPr lang="ru-RU" dirty="0"/>
+          </a:p>
+        </p:txBody>
+      </p:sp>
+      <p:pic>
+        <p:nvPicPr>
+          <p:cNvPr id="4" name="Рисунок 3"/>
+          <p:cNvPicPr/>
+          <p:nvPr/>
+        </p:nvPicPr>
+        <p:blipFill>
+          <a:blip r:embed="rId2">
+            <a:extLst>
+              <a:ext uri="{28A0092B-C50C-407E-A947-70E740481C1C}">
+                <a14:useLocalDpi xmlns:a14="http://schemas.microsoft.com/office/drawing/2010/main" val="0"/>
+              </a:ext>
+            </a:extLst>
+          </a:blip>
+          <a:srcRect/>
+          <a:stretch>
+            <a:fillRect/>
+          </a:stretch>
+        </p:blipFill>
+        <p:spPr bwMode="auto">
+          <a:xfrm>
+            <a:off x="899592" y="1412776"/>
+            <a:ext cx="7102611" cy="5112568"/>
+          </a:xfrm>
+          <a:prstGeom prst="rect">
+            <a:avLst/>
+          </a:prstGeom>
+          <a:noFill/>
+          <a:ln>
+            <a:noFill/>
+          </a:ln>
+        </p:spPr>
+      </p:pic>
+    </p:spTree>
+    <p:extLst>
+      <p:ext uri="{BB962C8B-B14F-4D97-AF65-F5344CB8AC3E}">
+        <p14:creationId xmlns:p14="http://schemas.microsoft.com/office/powerpoint/2010/main" val="3405818131"/>
+      </p:ext>
+    </p:extLst>
+  </p:cSld>
+  <p:clrMapOvr>
+    <a:masterClrMapping/>
+  </p:clrMapOvr>
+</p:sld>
+</file>
+
+<file path=ppt/slides/slide17.xml><?xml version="1.0" encoding="utf-8"?>
+<p:sld xmlns:a="http://schemas.openxmlformats.org/drawingml/2006/main" xmlns:r="http://schemas.openxmlformats.org/officeDocument/2006/relationships" xmlns:p="http://schemas.openxmlformats.org/presentationml/2006/main">
+  <p:cSld>
+    <p:spTree>
+      <p:nvGrpSpPr>
+        <p:cNvPr id="1" name=""/>
+        <p:cNvGrpSpPr/>
+        <p:nvPr/>
+      </p:nvGrpSpPr>
+      <p:grpSpPr>
+        <a:xfrm>
+          <a:off x="0" y="0"/>
+          <a:ext cx="0" cy="0"/>
+          <a:chOff x="0" y="0"/>
+          <a:chExt cx="0" cy="0"/>
+        </a:xfrm>
+      </p:grpSpPr>
+      <p:sp>
+        <p:nvSpPr>
+          <p:cNvPr id="2" name="Заголовок 1"/>
+          <p:cNvSpPr>
+            <a:spLocks noGrp="1"/>
+          </p:cNvSpPr>
+          <p:nvPr>
+            <p:ph type="title"/>
+          </p:nvPr>
+        </p:nvSpPr>
+        <p:spPr>
+          <a:xfrm>
+            <a:off x="457199" y="548680"/>
+            <a:ext cx="8229600" cy="1143000"/>
+          </a:xfrm>
+        </p:spPr>
+        <p:txBody>
+          <a:bodyPr/>
+          <a:lstStyle/>
+          <a:p>
+            <a:r>
+              <a:rPr lang="ru-RU" dirty="0" smtClean="0"/>
+              <a:t>Окно «О программе»</a:t>
+            </a:r>
+            <a:endParaRPr lang="ru-RU" dirty="0"/>
+          </a:p>
+        </p:txBody>
+      </p:sp>
+      <p:pic>
+        <p:nvPicPr>
+          <p:cNvPr id="4" name="Рисунок 3"/>
+          <p:cNvPicPr/>
+          <p:nvPr/>
+        </p:nvPicPr>
+        <p:blipFill>
+          <a:blip r:embed="rId2">
+            <a:extLst>
+              <a:ext uri="{28A0092B-C50C-407E-A947-70E740481C1C}">
+                <a14:useLocalDpi xmlns:a14="http://schemas.microsoft.com/office/drawing/2010/main" val="0"/>
+              </a:ext>
+            </a:extLst>
+          </a:blip>
+          <a:srcRect/>
+          <a:stretch>
+            <a:fillRect/>
+          </a:stretch>
+        </p:blipFill>
+        <p:spPr bwMode="auto">
+          <a:xfrm>
+            <a:off x="1367644" y="2276872"/>
+            <a:ext cx="6408711" cy="3754909"/>
+          </a:xfrm>
+          <a:prstGeom prst="rect">
+            <a:avLst/>
+          </a:prstGeom>
+          <a:noFill/>
+          <a:ln>
+            <a:noFill/>
+          </a:ln>
+        </p:spPr>
+      </p:pic>
+    </p:spTree>
+    <p:extLst>
+      <p:ext uri="{BB962C8B-B14F-4D97-AF65-F5344CB8AC3E}">
+        <p14:creationId xmlns:p14="http://schemas.microsoft.com/office/powerpoint/2010/main" val="1345091608"/>
+      </p:ext>
+    </p:extLst>
+  </p:cSld>
+  <p:clrMapOvr>
+    <a:masterClrMapping/>
+  </p:clrMapOvr>
+</p:sld>
+</file>
+
+<file path=ppt/slides/slide18.xml><?xml version="1.0" encoding="utf-8"?>
+<p:sld xmlns:a="http://schemas.openxmlformats.org/drawingml/2006/main" xmlns:r="http://schemas.openxmlformats.org/officeDocument/2006/relationships" xmlns:p="http://schemas.openxmlformats.org/presentationml/2006/main">
+  <p:cSld>
+    <p:spTree>
+      <p:nvGrpSpPr>
+        <p:cNvPr id="1" name=""/>
+        <p:cNvGrpSpPr/>
+        <p:nvPr/>
+      </p:nvGrpSpPr>
+      <p:grpSpPr>
+        <a:xfrm>
+          <a:off x="0" y="0"/>
+          <a:ext cx="0" cy="0"/>
+          <a:chOff x="0" y="0"/>
+          <a:chExt cx="0" cy="0"/>
+        </a:xfrm>
+      </p:grpSpPr>
+      <p:sp>
+        <p:nvSpPr>
+          <p:cNvPr id="2" name="Заголовок 1"/>
+          <p:cNvSpPr>
+            <a:spLocks noGrp="1"/>
+          </p:cNvSpPr>
+          <p:nvPr>
+            <p:ph type="title"/>
+          </p:nvPr>
+        </p:nvSpPr>
+        <p:spPr>
+          <a:xfrm>
+            <a:off x="467544" y="116632"/>
+            <a:ext cx="8229600" cy="1143000"/>
+          </a:xfrm>
+        </p:spPr>
+        <p:txBody>
+          <a:bodyPr/>
+          <a:lstStyle/>
+          <a:p>
+            <a:r>
+              <a:rPr lang="ru-RU" dirty="0" smtClean="0"/>
               <a:t>Выводы</a:t>
             </a:r>
             <a:endParaRPr lang="ru-RU" dirty="0"/>
@@ -3851,21 +4164,26 @@
         </p:nvSpPr>
         <p:spPr>
           <a:xfrm>
-            <a:off x="467544" y="1600200"/>
-            <a:ext cx="8229600" cy="4525963"/>
+            <a:off x="444664" y="1628800"/>
+            <a:ext cx="8229600" cy="4171286"/>
           </a:xfrm>
         </p:spPr>
         <p:txBody>
           <a:bodyPr>
-            <a:normAutofit fontScale="77500" lnSpcReduction="20000"/>
+            <a:normAutofit/>
           </a:bodyPr>
           <a:lstStyle/>
           <a:p>
             <a:pPr lvl="0"/>
             <a:r>
               <a:rPr lang="ru-RU" dirty="0" smtClean="0"/>
-              <a:t>Программный продукт разработан с учётом актуальных на сегодняшний день технологий проектирования программного обеспечения;</a:t>
-            </a:r>
+              <a:t>Был создан программный продукт, который можно использовать для обучени</a:t>
+            </a:r>
+            <a:r>
+              <a:rPr lang="ru-RU" dirty="0" smtClean="0"/>
+              <a:t>я учащихся в качестве наглядного материала;</a:t>
+            </a:r>
+            <a:endParaRPr lang="ru-RU" dirty="0" smtClean="0"/>
           </a:p>
           <a:p>
             <a:pPr lvl="0"/>
@@ -3875,41 +4193,9 @@
             <a:pPr lvl="0"/>
             <a:r>
               <a:rPr lang="ru-RU" dirty="0" smtClean="0"/>
-              <a:t>Программный продукт выполнен с учётом поставленной задачи курсового проектирования;</a:t>
-            </a:r>
-          </a:p>
-          <a:p>
-            <a:pPr lvl="0"/>
-            <a:endParaRPr lang="ru-RU" sz="2400" dirty="0" smtClean="0"/>
-          </a:p>
-          <a:p>
-            <a:pPr lvl="0"/>
-            <a:r>
-              <a:rPr lang="ru-RU" dirty="0" smtClean="0"/>
-              <a:t>Программный продукт содержит необходимый объём функционала</a:t>
-            </a:r>
-          </a:p>
-          <a:p>
-            <a:pPr lvl="0"/>
-            <a:r>
-              <a:rPr lang="ru-RU" dirty="0" smtClean="0"/>
-              <a:t>Нейронная сеть способна обучаться;</a:t>
-            </a:r>
-          </a:p>
-          <a:p>
-            <a:pPr lvl="0"/>
-            <a:r>
-              <a:rPr lang="ru-RU" dirty="0" smtClean="0"/>
-              <a:t>Нейронная сеть способна решать творческие задачи, алгоритм которых </a:t>
-            </a:r>
-            <a:r>
-              <a:rPr lang="ru-RU" dirty="0"/>
-              <a:t>описать </a:t>
-            </a:r>
-            <a:r>
-              <a:rPr lang="ru-RU" dirty="0" smtClean="0"/>
-              <a:t>очень трудно или невозможно</a:t>
-            </a:r>
+              <a:t>Разные алгоритмы кодирования и декодирования используются в разных предметных областях для разных целей</a:t>
+            </a:r>
+            <a:endParaRPr lang="ru-RU" dirty="0" smtClean="0"/>
           </a:p>
           <a:p>
             <a:endParaRPr lang="ru-RU" dirty="0"/>
@@ -3929,7 +4215,7 @@
 </p:sld>
 </file>
 
-<file path=ppt/slides/slide14.xml><?xml version="1.0" encoding="utf-8"?>
+<file path=ppt/slides/slide19.xml><?xml version="1.0" encoding="utf-8"?>
 <p:sld xmlns:a="http://schemas.openxmlformats.org/drawingml/2006/main" xmlns:r="http://schemas.openxmlformats.org/officeDocument/2006/relationships" xmlns:p="http://schemas.openxmlformats.org/presentationml/2006/main">
   <p:cSld>
     <p:spTree>
@@ -4166,7 +4452,7 @@
         <p:spPr>
           <a:xfrm>
             <a:off x="539552" y="1196752"/>
-            <a:ext cx="8136904" cy="3970318"/>
+            <a:ext cx="8136904" cy="4401205"/>
           </a:xfrm>
           <a:prstGeom prst="rect">
             <a:avLst/>
@@ -4178,20 +4464,22 @@
           </a:bodyPr>
           <a:lstStyle/>
           <a:p>
-            <a:pPr algn="just"/>
             <a:r>
               <a:rPr lang="ru-RU" sz="2800" b="1" dirty="0"/>
               <a:t>Цель курсовой работы</a:t>
             </a:r>
             <a:r>
               <a:rPr lang="ru-RU" sz="2800" dirty="0"/>
-              <a:t>: создать программный продукт, использующий </a:t>
+              <a:t>: </a:t>
             </a:r>
             <a:r>
               <a:rPr lang="ru-RU" sz="2800" dirty="0" smtClean="0"/>
-              <a:t>нейронную сеть для предсказания погоды.</a:t>
-            </a:r>
-            <a:endParaRPr lang="ru-RU" sz="2800" dirty="0"/>
+              <a:t>Понять </a:t>
+            </a:r>
+            <a:r>
+              <a:rPr lang="ru-RU" sz="2800" dirty="0"/>
+              <a:t>в каких случаях какие способы и алгоритмы кодирования и декодирования информации используются.</a:t>
+            </a:r>
           </a:p>
           <a:p>
             <a:pPr algn="just"/>
@@ -4209,13 +4497,8 @@
             </a:r>
             <a:r>
               <a:rPr lang="ru-RU" sz="2800" dirty="0"/>
-              <a:t>изучить особенности </a:t>
-            </a:r>
-            <a:r>
-              <a:rPr lang="ru-RU" sz="2800" dirty="0" smtClean="0"/>
-              <a:t>нейронных сетей.</a:t>
-            </a:r>
-            <a:endParaRPr lang="ru-RU" sz="2800" dirty="0"/>
+              <a:t>Изучить способы кодирования и декодирования информации в информационных системах.</a:t>
+            </a:r>
           </a:p>
           <a:p>
             <a:pPr algn="just"/>
@@ -4232,8 +4515,12 @@
               <a:t>исследования: </a:t>
             </a:r>
             <a:r>
+              <a:rPr lang="ru-RU" sz="2800" dirty="0"/>
+              <a:t>Способы кодирования информации информационных системах</a:t>
+            </a:r>
+            <a:r>
               <a:rPr lang="ru-RU" sz="2800" dirty="0" smtClean="0"/>
-              <a:t>нейронные сети, алгоритмы обучения.</a:t>
+              <a:t>.</a:t>
             </a:r>
             <a:endParaRPr lang="ru-RU" sz="2800" dirty="0"/>
           </a:p>
@@ -4279,23 +4566,32 @@
             <p:ph type="title"/>
           </p:nvPr>
         </p:nvSpPr>
-        <p:spPr/>
-        <p:txBody>
-          <a:bodyPr/>
-          <a:lstStyle/>
-          <a:p>
-            <a:endParaRPr lang="ru-RU"/>
+        <p:spPr>
+          <a:xfrm>
+            <a:off x="395536" y="10696"/>
+            <a:ext cx="8229600" cy="1143000"/>
+          </a:xfrm>
+        </p:spPr>
+        <p:txBody>
+          <a:bodyPr/>
+          <a:lstStyle/>
+          <a:p>
+            <a:r>
+              <a:rPr lang="ru-RU" dirty="0" smtClean="0"/>
+              <a:t>История развития письменности</a:t>
+            </a:r>
+            <a:endParaRPr lang="ru-RU" dirty="0"/>
           </a:p>
         </p:txBody>
       </p:sp>
       <p:pic>
         <p:nvPicPr>
-          <p:cNvPr id="7" name="Рисунок 6"/>
+          <p:cNvPr id="4" name="Рисунок 3" descr="http://history-doc.ru/wp-content/uploads/2017/12/1-32.jpg"/>
           <p:cNvPicPr/>
           <p:nvPr/>
         </p:nvPicPr>
         <p:blipFill>
-          <a:blip r:embed="rId2">
+          <a:blip r:embed="rId2" cstate="print">
             <a:extLst>
               <a:ext uri="{28A0092B-C50C-407E-A947-70E740481C1C}">
                 <a14:useLocalDpi xmlns:a14="http://schemas.microsoft.com/office/drawing/2010/main" val="0"/>
@@ -4309,8 +4605,8 @@
         </p:blipFill>
         <p:spPr bwMode="auto">
           <a:xfrm>
-            <a:off x="251520" y="260648"/>
-            <a:ext cx="8568952" cy="6336704"/>
+            <a:off x="179512" y="1460906"/>
+            <a:ext cx="4176464" cy="3264238"/>
           </a:xfrm>
           <a:prstGeom prst="rect">
             <a:avLst/>
@@ -4321,6 +4617,100 @@
           </a:ln>
         </p:spPr>
       </p:pic>
+      <p:pic>
+        <p:nvPicPr>
+          <p:cNvPr id="6" name="Рисунок 5" descr="https://ic.pics.livejournal.com/irenecaesar/41190490/113863/113863_original.png"/>
+          <p:cNvPicPr/>
+          <p:nvPr/>
+        </p:nvPicPr>
+        <p:blipFill rotWithShape="1">
+          <a:blip r:embed="rId3" cstate="print">
+            <a:extLst>
+              <a:ext uri="{28A0092B-C50C-407E-A947-70E740481C1C}">
+                <a14:useLocalDpi xmlns:a14="http://schemas.microsoft.com/office/drawing/2010/main" val="0"/>
+              </a:ext>
+            </a:extLst>
+          </a:blip>
+          <a:srcRect l="1323"/>
+          <a:stretch/>
+        </p:blipFill>
+        <p:spPr bwMode="auto">
+          <a:xfrm>
+            <a:off x="4572000" y="1460906"/>
+            <a:ext cx="4392488" cy="3264238"/>
+          </a:xfrm>
+          <a:prstGeom prst="rect">
+            <a:avLst/>
+          </a:prstGeom>
+          <a:noFill/>
+          <a:ln>
+            <a:noFill/>
+          </a:ln>
+          <a:extLst>
+            <a:ext uri="{53640926-AAD7-44D8-BBD7-CCE9431645EC}">
+              <a14:shadowObscured xmlns:a14="http://schemas.microsoft.com/office/drawing/2010/main"/>
+            </a:ext>
+          </a:extLst>
+        </p:spPr>
+      </p:pic>
+      <p:sp>
+        <p:nvSpPr>
+          <p:cNvPr id="2" name="Прямоугольник 1"/>
+          <p:cNvSpPr/>
+          <p:nvPr/>
+        </p:nvSpPr>
+        <p:spPr>
+          <a:xfrm>
+            <a:off x="479210" y="4941168"/>
+            <a:ext cx="3649076" cy="523220"/>
+          </a:xfrm>
+          <a:prstGeom prst="rect">
+            <a:avLst/>
+          </a:prstGeom>
+        </p:spPr>
+        <p:txBody>
+          <a:bodyPr wrap="none">
+            <a:spAutoFit/>
+          </a:bodyPr>
+          <a:lstStyle/>
+          <a:p>
+            <a:r>
+              <a:rPr lang="ru-RU" sz="2800" dirty="0" smtClean="0"/>
+              <a:t>Египетские иероглифы</a:t>
+            </a:r>
+            <a:endParaRPr lang="ru-RU" sz="2800" dirty="0"/>
+          </a:p>
+        </p:txBody>
+      </p:sp>
+      <p:sp>
+        <p:nvSpPr>
+          <p:cNvPr id="8" name="Прямоугольник 7"/>
+          <p:cNvSpPr/>
+          <p:nvPr/>
+        </p:nvSpPr>
+        <p:spPr>
+          <a:xfrm>
+            <a:off x="4943706" y="4944576"/>
+            <a:ext cx="3613490" cy="523220"/>
+          </a:xfrm>
+          <a:prstGeom prst="rect">
+            <a:avLst/>
+          </a:prstGeom>
+        </p:spPr>
+        <p:txBody>
+          <a:bodyPr wrap="none">
+            <a:spAutoFit/>
+          </a:bodyPr>
+          <a:lstStyle/>
+          <a:p>
+            <a:r>
+              <a:rPr lang="ru-RU" sz="2800" dirty="0" smtClean="0"/>
+              <a:t>Финикийский алфавит</a:t>
+            </a:r>
+            <a:endParaRPr lang="ru-RU" sz="2800" dirty="0"/>
+          </a:p>
+        </p:txBody>
+      </p:sp>
     </p:spTree>
     <p:extLst>
       <p:ext uri="{BB962C8B-B14F-4D97-AF65-F5344CB8AC3E}">
@@ -4372,8 +4762,8 @@
           <a:lstStyle/>
           <a:p>
             <a:r>
-              <a:rPr lang="ru-RU" dirty="0" smtClean="0"/>
-              <a:t>Модель нейрона</a:t>
+              <a:rPr lang="ru-RU" dirty="0" err="1" smtClean="0"/>
+              <a:t>Скитала</a:t>
             </a:r>
             <a:endParaRPr lang="ru-RU" dirty="0"/>
           </a:p>
@@ -4381,13 +4771,9 @@
       </p:sp>
       <p:pic>
         <p:nvPicPr>
-          <p:cNvPr id="1026" name="Picture 2" descr="http://concepture.club/common/uploads/articles_gallery/501/1489768725.png"/>
-          <p:cNvPicPr>
-            <a:picLocks noGrp="1" noChangeAspect="1" noChangeArrowheads="1"/>
-          </p:cNvPicPr>
-          <p:nvPr>
-            <p:ph idx="1"/>
-          </p:nvPr>
+          <p:cNvPr id="5" name="Рисунок 4" descr="https://i.pinimg.com/736x/a0/c3/a4/a0c3a467ac792271f40b44501e05a8a8--scavenger.jpg"/>
+          <p:cNvPicPr/>
+          <p:nvPr/>
         </p:nvPicPr>
         <p:blipFill>
           <a:blip r:embed="rId2">
@@ -4404,22 +4790,16 @@
         </p:blipFill>
         <p:spPr bwMode="auto">
           <a:xfrm>
-            <a:off x="395536" y="1556792"/>
-            <a:ext cx="8352928" cy="5020168"/>
+            <a:off x="500688" y="1628800"/>
+            <a:ext cx="8103760" cy="4824536"/>
           </a:xfrm>
           <a:prstGeom prst="rect">
             <a:avLst/>
           </a:prstGeom>
           <a:noFill/>
-          <a:extLst>
-            <a:ext uri="{909E8E84-426E-40DD-AFC4-6F175D3DCCD1}">
-              <a14:hiddenFill xmlns:a14="http://schemas.microsoft.com/office/drawing/2010/main">
-                <a:solidFill>
-                  <a:srgbClr val="FFFFFF"/>
-                </a:solidFill>
-              </a14:hiddenFill>
-            </a:ext>
-          </a:extLst>
+          <a:ln>
+            <a:noFill/>
+          </a:ln>
         </p:spPr>
       </p:pic>
     </p:spTree>
@@ -4469,68 +4849,32 @@
           <a:p>
             <a:r>
               <a:rPr lang="ru-RU" dirty="0" smtClean="0"/>
-              <a:t>Что такое нейронная сеть</a:t>
+              <a:t>Гай Юлий Цезарь</a:t>
             </a:r>
             <a:endParaRPr lang="ru-RU" dirty="0"/>
-          </a:p>
-        </p:txBody>
-      </p:sp>
-      <p:sp>
-        <p:nvSpPr>
-          <p:cNvPr id="3" name="Объект 2"/>
-          <p:cNvSpPr>
-            <a:spLocks noGrp="1"/>
-          </p:cNvSpPr>
-          <p:nvPr>
-            <p:ph idx="1"/>
-          </p:nvPr>
-        </p:nvSpPr>
-        <p:spPr/>
-        <p:txBody>
-          <a:bodyPr/>
-          <a:lstStyle/>
-          <a:p>
-            <a:endParaRPr lang="ru-RU"/>
           </a:p>
         </p:txBody>
       </p:sp>
       <p:pic>
         <p:nvPicPr>
-          <p:cNvPr id="3074" name="Picture 2" descr="https://rostovgazeta.ru/attachments/d9a0a6ec771a4d2254f64cfd4905a8bbe10226ed/store/fill/1200/630/aedda5d32ccfa0841c29cef697a2d439a4a0d6243c51a69db1d96bc255c7/1.jpg"/>
-          <p:cNvPicPr>
-            <a:picLocks noChangeAspect="1" noChangeArrowheads="1"/>
-          </p:cNvPicPr>
+          <p:cNvPr id="5" name="Рисунок 4"/>
+          <p:cNvPicPr/>
           <p:nvPr/>
         </p:nvPicPr>
-        <p:blipFill rotWithShape="1">
-          <a:blip r:embed="rId2">
-            <a:extLst>
-              <a:ext uri="{28A0092B-C50C-407E-A947-70E740481C1C}">
-                <a14:useLocalDpi xmlns:a14="http://schemas.microsoft.com/office/drawing/2010/main" val="0"/>
-              </a:ext>
-            </a:extLst>
-          </a:blip>
-          <a:srcRect l="21264" r="14620"/>
-          <a:stretch/>
+        <p:blipFill>
+          <a:blip r:embed="rId2"/>
+          <a:stretch>
+            <a:fillRect/>
+          </a:stretch>
         </p:blipFill>
-        <p:spPr bwMode="auto">
-          <a:xfrm>
-            <a:off x="1475656" y="1628800"/>
-            <a:ext cx="6067875" cy="4968552"/>
+        <p:spPr>
+          <a:xfrm>
+            <a:off x="2654793" y="1628800"/>
+            <a:ext cx="3834413" cy="4312945"/>
           </a:xfrm>
           <a:prstGeom prst="rect">
             <a:avLst/>
           </a:prstGeom>
-          <a:noFill/>
-          <a:extLst>
-            <a:ext uri="{909E8E84-426E-40DD-AFC4-6F175D3DCCD1}">
-              <a14:hiddenFill xmlns:a14="http://schemas.microsoft.com/office/drawing/2010/main">
-                <a:solidFill>
-                  <a:srgbClr val="FFFFFF"/>
-                </a:solidFill>
-              </a14:hiddenFill>
-            </a:ext>
-          </a:extLst>
         </p:spPr>
       </p:pic>
     </p:spTree>
@@ -4573,7 +4917,12 @@
             <p:ph type="title"/>
           </p:nvPr>
         </p:nvSpPr>
-        <p:spPr/>
+        <p:spPr>
+          <a:xfrm>
+            <a:off x="457200" y="0"/>
+            <a:ext cx="8229600" cy="1143000"/>
+          </a:xfrm>
+        </p:spPr>
         <p:txBody>
           <a:bodyPr>
             <a:normAutofit/>
@@ -4582,7 +4931,7 @@
           <a:p>
             <a:r>
               <a:rPr lang="ru-RU" dirty="0" smtClean="0"/>
-              <a:t>Типы нейронных сетей</a:t>
+              <a:t>Шифр Цезаря</a:t>
             </a:r>
             <a:endParaRPr lang="ru-RU" dirty="0"/>
           </a:p>
@@ -4590,7 +4939,7 @@
       </p:sp>
       <p:pic>
         <p:nvPicPr>
-          <p:cNvPr id="6" name="Рисунок 5" descr="http://bukvasha.ru/img/5a/dopc43875.zip"/>
+          <p:cNvPr id="5" name="Рисунок 4"/>
           <p:cNvPicPr/>
           <p:nvPr/>
         </p:nvPicPr>
@@ -4609,8 +4958,8 @@
         </p:blipFill>
         <p:spPr bwMode="auto">
           <a:xfrm>
-            <a:off x="179512" y="1772816"/>
-            <a:ext cx="8784976" cy="3888432"/>
+            <a:off x="755576" y="1052736"/>
+            <a:ext cx="7632848" cy="5688632"/>
           </a:xfrm>
           <a:prstGeom prst="rect">
             <a:avLst/>
@@ -4653,7 +5002,7 @@
       </p:grpSpPr>
       <p:sp>
         <p:nvSpPr>
-          <p:cNvPr id="3" name="Заголовок 2"/>
+          <p:cNvPr id="2" name="Заголовок 1"/>
           <p:cNvSpPr>
             <a:spLocks noGrp="1"/>
           </p:cNvSpPr>
@@ -4661,2270 +5010,63 @@
             <p:ph type="title"/>
           </p:nvPr>
         </p:nvSpPr>
-        <p:spPr>
-          <a:xfrm>
-            <a:off x="467544" y="116632"/>
-            <a:ext cx="8229600" cy="850106"/>
-          </a:xfrm>
-        </p:spPr>
-        <p:txBody>
-          <a:bodyPr/>
-          <a:lstStyle/>
-          <a:p>
+        <p:spPr/>
+        <p:txBody>
+          <a:bodyPr/>
+          <a:lstStyle/>
+          <a:p>
+            <a:r>
+              <a:rPr lang="ru-RU" dirty="0" err="1" smtClean="0"/>
+              <a:t>Сэмюэль</a:t>
+            </a:r>
             <a:r>
               <a:rPr lang="ru-RU" dirty="0" smtClean="0"/>
-              <a:t>Трёхслойный </a:t>
-            </a:r>
-            <a:r>
-              <a:rPr lang="ru-RU" dirty="0" err="1" smtClean="0"/>
-              <a:t>перцептрон</a:t>
+              <a:t> Морзе</a:t>
             </a:r>
             <a:endParaRPr lang="ru-RU" dirty="0"/>
           </a:p>
         </p:txBody>
       </p:sp>
-      <p:grpSp>
-        <p:nvGrpSpPr>
-          <p:cNvPr id="129" name="Группа 128"/>
-          <p:cNvGrpSpPr/>
+      <p:pic>
+        <p:nvPicPr>
+          <p:cNvPr id="5" name="Рисунок 4" descr="https://img-fotki.yandex.ru/get/95493/368690136.16/0_19e1df_82666f83_XL.jpg"/>
+          <p:cNvPicPr/>
           <p:nvPr/>
-        </p:nvGrpSpPr>
-        <p:grpSpPr>
-          <a:xfrm>
-            <a:off x="1403648" y="1421160"/>
-            <a:ext cx="6257456" cy="4852156"/>
-            <a:chOff x="1403648" y="1421160"/>
-            <a:chExt cx="6257456" cy="4852156"/>
-          </a:xfrm>
-        </p:grpSpPr>
-        <p:grpSp>
-          <p:nvGrpSpPr>
-            <p:cNvPr id="124" name="Группа 123"/>
-            <p:cNvGrpSpPr/>
-            <p:nvPr/>
-          </p:nvGrpSpPr>
-          <p:grpSpPr>
-            <a:xfrm>
-              <a:off x="1403648" y="1421160"/>
-              <a:ext cx="6257456" cy="4852156"/>
-              <a:chOff x="687188" y="1493168"/>
-              <a:chExt cx="6257456" cy="4852156"/>
-            </a:xfrm>
-          </p:grpSpPr>
-          <p:sp>
-            <p:nvSpPr>
-              <p:cNvPr id="4" name="Овал 3"/>
-              <p:cNvSpPr/>
-              <p:nvPr/>
-            </p:nvSpPr>
-            <p:spPr>
-              <a:xfrm>
-                <a:off x="687188" y="1520788"/>
-                <a:ext cx="360040" cy="360040"/>
-              </a:xfrm>
-              <a:prstGeom prst="ellipse">
-                <a:avLst/>
-              </a:prstGeom>
-            </p:spPr>
-            <p:style>
-              <a:lnRef idx="2">
-                <a:schemeClr val="accent1">
-                  <a:shade val="50000"/>
-                </a:schemeClr>
-              </a:lnRef>
-              <a:fillRef idx="1">
-                <a:schemeClr val="accent1"/>
-              </a:fillRef>
-              <a:effectRef idx="0">
-                <a:schemeClr val="accent1"/>
-              </a:effectRef>
-              <a:fontRef idx="minor">
-                <a:schemeClr val="lt1"/>
-              </a:fontRef>
-            </p:style>
-            <p:txBody>
-              <a:bodyPr rtlCol="0" anchor="ctr"/>
-              <a:lstStyle/>
-              <a:p>
-                <a:pPr algn="ctr"/>
-                <a:endParaRPr lang="ru-RU"/>
-              </a:p>
-            </p:txBody>
-          </p:sp>
-          <p:sp>
-            <p:nvSpPr>
-              <p:cNvPr id="6" name="Овал 5"/>
-              <p:cNvSpPr/>
-              <p:nvPr/>
-            </p:nvSpPr>
-            <p:spPr>
-              <a:xfrm>
-                <a:off x="687188" y="2528900"/>
-                <a:ext cx="360040" cy="360040"/>
-              </a:xfrm>
-              <a:prstGeom prst="ellipse">
-                <a:avLst/>
-              </a:prstGeom>
-            </p:spPr>
-            <p:style>
-              <a:lnRef idx="2">
-                <a:schemeClr val="accent1">
-                  <a:shade val="50000"/>
-                </a:schemeClr>
-              </a:lnRef>
-              <a:fillRef idx="1">
-                <a:schemeClr val="accent1"/>
-              </a:fillRef>
-              <a:effectRef idx="0">
-                <a:schemeClr val="accent1"/>
-              </a:effectRef>
-              <a:fontRef idx="minor">
-                <a:schemeClr val="lt1"/>
-              </a:fontRef>
-            </p:style>
-            <p:txBody>
-              <a:bodyPr rtlCol="0" anchor="ctr"/>
-              <a:lstStyle/>
-              <a:p>
-                <a:pPr algn="ctr"/>
-                <a:endParaRPr lang="ru-RU"/>
-              </a:p>
-            </p:txBody>
-          </p:sp>
-          <p:sp>
-            <p:nvSpPr>
-              <p:cNvPr id="7" name="Овал 6"/>
-              <p:cNvSpPr/>
-              <p:nvPr/>
-            </p:nvSpPr>
-            <p:spPr>
-              <a:xfrm>
-                <a:off x="687188" y="3790480"/>
-                <a:ext cx="360040" cy="360040"/>
-              </a:xfrm>
-              <a:prstGeom prst="ellipse">
-                <a:avLst/>
-              </a:prstGeom>
-            </p:spPr>
-            <p:style>
-              <a:lnRef idx="2">
-                <a:schemeClr val="accent1">
-                  <a:shade val="50000"/>
-                </a:schemeClr>
-              </a:lnRef>
-              <a:fillRef idx="1">
-                <a:schemeClr val="accent1"/>
-              </a:fillRef>
-              <a:effectRef idx="0">
-                <a:schemeClr val="accent1"/>
-              </a:effectRef>
-              <a:fontRef idx="minor">
-                <a:schemeClr val="lt1"/>
-              </a:fontRef>
-            </p:style>
-            <p:txBody>
-              <a:bodyPr rtlCol="0" anchor="ctr"/>
-              <a:lstStyle/>
-              <a:p>
-                <a:pPr algn="ctr"/>
-                <a:endParaRPr lang="ru-RU"/>
-              </a:p>
-            </p:txBody>
-          </p:sp>
-          <p:sp>
-            <p:nvSpPr>
-              <p:cNvPr id="8" name="Овал 7"/>
-              <p:cNvSpPr/>
-              <p:nvPr/>
-            </p:nvSpPr>
-            <p:spPr>
-              <a:xfrm>
-                <a:off x="687188" y="4905164"/>
-                <a:ext cx="360040" cy="360040"/>
-              </a:xfrm>
-              <a:prstGeom prst="ellipse">
-                <a:avLst/>
-              </a:prstGeom>
-            </p:spPr>
-            <p:style>
-              <a:lnRef idx="2">
-                <a:schemeClr val="accent1">
-                  <a:shade val="50000"/>
-                </a:schemeClr>
-              </a:lnRef>
-              <a:fillRef idx="1">
-                <a:schemeClr val="accent1"/>
-              </a:fillRef>
-              <a:effectRef idx="0">
-                <a:schemeClr val="accent1"/>
-              </a:effectRef>
-              <a:fontRef idx="minor">
-                <a:schemeClr val="lt1"/>
-              </a:fontRef>
-            </p:style>
-            <p:txBody>
-              <a:bodyPr rtlCol="0" anchor="ctr"/>
-              <a:lstStyle/>
-              <a:p>
-                <a:pPr algn="ctr"/>
-                <a:endParaRPr lang="ru-RU"/>
-              </a:p>
-            </p:txBody>
-          </p:sp>
-          <p:sp>
-            <p:nvSpPr>
-              <p:cNvPr id="9" name="Овал 8"/>
-              <p:cNvSpPr/>
-              <p:nvPr/>
-            </p:nvSpPr>
-            <p:spPr>
-              <a:xfrm>
-                <a:off x="687188" y="5985284"/>
-                <a:ext cx="360040" cy="360040"/>
-              </a:xfrm>
-              <a:prstGeom prst="ellipse">
-                <a:avLst/>
-              </a:prstGeom>
-            </p:spPr>
-            <p:style>
-              <a:lnRef idx="2">
-                <a:schemeClr val="accent1">
-                  <a:shade val="50000"/>
-                </a:schemeClr>
-              </a:lnRef>
-              <a:fillRef idx="1">
-                <a:schemeClr val="accent1"/>
-              </a:fillRef>
-              <a:effectRef idx="0">
-                <a:schemeClr val="accent1"/>
-              </a:effectRef>
-              <a:fontRef idx="minor">
-                <a:schemeClr val="lt1"/>
-              </a:fontRef>
-            </p:style>
-            <p:txBody>
-              <a:bodyPr rtlCol="0" anchor="ctr"/>
-              <a:lstStyle/>
-              <a:p>
-                <a:pPr algn="ctr"/>
-                <a:endParaRPr lang="ru-RU"/>
-              </a:p>
-            </p:txBody>
-          </p:sp>
-          <p:sp>
-            <p:nvSpPr>
-              <p:cNvPr id="10" name="Овал 9"/>
-              <p:cNvSpPr/>
-              <p:nvPr/>
-            </p:nvSpPr>
-            <p:spPr>
-              <a:xfrm>
-                <a:off x="3635896" y="1493168"/>
-                <a:ext cx="360040" cy="360040"/>
-              </a:xfrm>
-              <a:prstGeom prst="ellipse">
-                <a:avLst/>
-              </a:prstGeom>
-            </p:spPr>
-            <p:style>
-              <a:lnRef idx="2">
-                <a:schemeClr val="accent1">
-                  <a:shade val="50000"/>
-                </a:schemeClr>
-              </a:lnRef>
-              <a:fillRef idx="1">
-                <a:schemeClr val="accent1"/>
-              </a:fillRef>
-              <a:effectRef idx="0">
-                <a:schemeClr val="accent1"/>
-              </a:effectRef>
-              <a:fontRef idx="minor">
-                <a:schemeClr val="lt1"/>
-              </a:fontRef>
-            </p:style>
-            <p:txBody>
-              <a:bodyPr rtlCol="0" anchor="ctr"/>
-              <a:lstStyle/>
-              <a:p>
-                <a:pPr algn="ctr"/>
-                <a:endParaRPr lang="ru-RU"/>
-              </a:p>
-            </p:txBody>
-          </p:sp>
-          <p:sp>
-            <p:nvSpPr>
-              <p:cNvPr id="11" name="Овал 10"/>
-              <p:cNvSpPr/>
-              <p:nvPr/>
-            </p:nvSpPr>
-            <p:spPr>
-              <a:xfrm>
-                <a:off x="3635896" y="2501280"/>
-                <a:ext cx="360040" cy="360040"/>
-              </a:xfrm>
-              <a:prstGeom prst="ellipse">
-                <a:avLst/>
-              </a:prstGeom>
-            </p:spPr>
-            <p:style>
-              <a:lnRef idx="2">
-                <a:schemeClr val="accent1">
-                  <a:shade val="50000"/>
-                </a:schemeClr>
-              </a:lnRef>
-              <a:fillRef idx="1">
-                <a:schemeClr val="accent1"/>
-              </a:fillRef>
-              <a:effectRef idx="0">
-                <a:schemeClr val="accent1"/>
-              </a:effectRef>
-              <a:fontRef idx="minor">
-                <a:schemeClr val="lt1"/>
-              </a:fontRef>
-            </p:style>
-            <p:txBody>
-              <a:bodyPr rtlCol="0" anchor="ctr"/>
-              <a:lstStyle/>
-              <a:p>
-                <a:pPr algn="ctr"/>
-                <a:endParaRPr lang="ru-RU"/>
-              </a:p>
-            </p:txBody>
-          </p:sp>
-          <p:sp>
-            <p:nvSpPr>
-              <p:cNvPr id="12" name="Овал 11"/>
-              <p:cNvSpPr/>
-              <p:nvPr/>
-            </p:nvSpPr>
-            <p:spPr>
-              <a:xfrm>
-                <a:off x="3635896" y="3762860"/>
-                <a:ext cx="360040" cy="360040"/>
-              </a:xfrm>
-              <a:prstGeom prst="ellipse">
-                <a:avLst/>
-              </a:prstGeom>
-            </p:spPr>
-            <p:style>
-              <a:lnRef idx="2">
-                <a:schemeClr val="accent1">
-                  <a:shade val="50000"/>
-                </a:schemeClr>
-              </a:lnRef>
-              <a:fillRef idx="1">
-                <a:schemeClr val="accent1"/>
-              </a:fillRef>
-              <a:effectRef idx="0">
-                <a:schemeClr val="accent1"/>
-              </a:effectRef>
-              <a:fontRef idx="minor">
-                <a:schemeClr val="lt1"/>
-              </a:fontRef>
-            </p:style>
-            <p:txBody>
-              <a:bodyPr rtlCol="0" anchor="ctr"/>
-              <a:lstStyle/>
-              <a:p>
-                <a:pPr algn="ctr"/>
-                <a:endParaRPr lang="ru-RU"/>
-              </a:p>
-            </p:txBody>
-          </p:sp>
-          <p:sp>
-            <p:nvSpPr>
-              <p:cNvPr id="13" name="Овал 12"/>
-              <p:cNvSpPr/>
-              <p:nvPr/>
-            </p:nvSpPr>
-            <p:spPr>
-              <a:xfrm>
-                <a:off x="3635896" y="4877544"/>
-                <a:ext cx="360040" cy="360040"/>
-              </a:xfrm>
-              <a:prstGeom prst="ellipse">
-                <a:avLst/>
-              </a:prstGeom>
-            </p:spPr>
-            <p:style>
-              <a:lnRef idx="2">
-                <a:schemeClr val="accent1">
-                  <a:shade val="50000"/>
-                </a:schemeClr>
-              </a:lnRef>
-              <a:fillRef idx="1">
-                <a:schemeClr val="accent1"/>
-              </a:fillRef>
-              <a:effectRef idx="0">
-                <a:schemeClr val="accent1"/>
-              </a:effectRef>
-              <a:fontRef idx="minor">
-                <a:schemeClr val="lt1"/>
-              </a:fontRef>
-            </p:style>
-            <p:txBody>
-              <a:bodyPr rtlCol="0" anchor="ctr"/>
-              <a:lstStyle/>
-              <a:p>
-                <a:pPr algn="ctr"/>
-                <a:endParaRPr lang="ru-RU"/>
-              </a:p>
-            </p:txBody>
-          </p:sp>
-          <p:sp>
-            <p:nvSpPr>
-              <p:cNvPr id="14" name="Овал 13"/>
-              <p:cNvSpPr/>
-              <p:nvPr/>
-            </p:nvSpPr>
-            <p:spPr>
-              <a:xfrm>
-                <a:off x="3635896" y="5957664"/>
-                <a:ext cx="360040" cy="360040"/>
-              </a:xfrm>
-              <a:prstGeom prst="ellipse">
-                <a:avLst/>
-              </a:prstGeom>
-            </p:spPr>
-            <p:style>
-              <a:lnRef idx="2">
-                <a:schemeClr val="accent1">
-                  <a:shade val="50000"/>
-                </a:schemeClr>
-              </a:lnRef>
-              <a:fillRef idx="1">
-                <a:schemeClr val="accent1"/>
-              </a:fillRef>
-              <a:effectRef idx="0">
-                <a:schemeClr val="accent1"/>
-              </a:effectRef>
-              <a:fontRef idx="minor">
-                <a:schemeClr val="lt1"/>
-              </a:fontRef>
-            </p:style>
-            <p:txBody>
-              <a:bodyPr rtlCol="0" anchor="ctr"/>
-              <a:lstStyle/>
-              <a:p>
-                <a:pPr algn="ctr"/>
-                <a:endParaRPr lang="ru-RU"/>
-              </a:p>
-            </p:txBody>
-          </p:sp>
-          <p:sp>
-            <p:nvSpPr>
-              <p:cNvPr id="16" name="Овал 15"/>
-              <p:cNvSpPr/>
-              <p:nvPr/>
-            </p:nvSpPr>
-            <p:spPr>
-              <a:xfrm>
-                <a:off x="6584604" y="1493168"/>
-                <a:ext cx="360040" cy="360040"/>
-              </a:xfrm>
-              <a:prstGeom prst="ellipse">
-                <a:avLst/>
-              </a:prstGeom>
-            </p:spPr>
-            <p:style>
-              <a:lnRef idx="2">
-                <a:schemeClr val="accent1">
-                  <a:shade val="50000"/>
-                </a:schemeClr>
-              </a:lnRef>
-              <a:fillRef idx="1">
-                <a:schemeClr val="accent1"/>
-              </a:fillRef>
-              <a:effectRef idx="0">
-                <a:schemeClr val="accent1"/>
-              </a:effectRef>
-              <a:fontRef idx="minor">
-                <a:schemeClr val="lt1"/>
-              </a:fontRef>
-            </p:style>
-            <p:txBody>
-              <a:bodyPr rtlCol="0" anchor="ctr"/>
-              <a:lstStyle/>
-              <a:p>
-                <a:pPr algn="ctr"/>
-                <a:endParaRPr lang="ru-RU"/>
-              </a:p>
-            </p:txBody>
-          </p:sp>
-          <p:sp>
-            <p:nvSpPr>
-              <p:cNvPr id="17" name="Овал 16"/>
-              <p:cNvSpPr/>
-              <p:nvPr/>
-            </p:nvSpPr>
-            <p:spPr>
-              <a:xfrm>
-                <a:off x="6584604" y="2501280"/>
-                <a:ext cx="360040" cy="360040"/>
-              </a:xfrm>
-              <a:prstGeom prst="ellipse">
-                <a:avLst/>
-              </a:prstGeom>
-            </p:spPr>
-            <p:style>
-              <a:lnRef idx="2">
-                <a:schemeClr val="accent1">
-                  <a:shade val="50000"/>
-                </a:schemeClr>
-              </a:lnRef>
-              <a:fillRef idx="1">
-                <a:schemeClr val="accent1"/>
-              </a:fillRef>
-              <a:effectRef idx="0">
-                <a:schemeClr val="accent1"/>
-              </a:effectRef>
-              <a:fontRef idx="minor">
-                <a:schemeClr val="lt1"/>
-              </a:fontRef>
-            </p:style>
-            <p:txBody>
-              <a:bodyPr rtlCol="0" anchor="ctr"/>
-              <a:lstStyle/>
-              <a:p>
-                <a:pPr algn="ctr"/>
-                <a:endParaRPr lang="ru-RU"/>
-              </a:p>
-            </p:txBody>
-          </p:sp>
-          <p:sp>
-            <p:nvSpPr>
-              <p:cNvPr id="18" name="Овал 17"/>
-              <p:cNvSpPr/>
-              <p:nvPr/>
-            </p:nvSpPr>
-            <p:spPr>
-              <a:xfrm>
-                <a:off x="6584604" y="3762860"/>
-                <a:ext cx="360040" cy="360040"/>
-              </a:xfrm>
-              <a:prstGeom prst="ellipse">
-                <a:avLst/>
-              </a:prstGeom>
-            </p:spPr>
-            <p:style>
-              <a:lnRef idx="2">
-                <a:schemeClr val="accent1">
-                  <a:shade val="50000"/>
-                </a:schemeClr>
-              </a:lnRef>
-              <a:fillRef idx="1">
-                <a:schemeClr val="accent1"/>
-              </a:fillRef>
-              <a:effectRef idx="0">
-                <a:schemeClr val="accent1"/>
-              </a:effectRef>
-              <a:fontRef idx="minor">
-                <a:schemeClr val="lt1"/>
-              </a:fontRef>
-            </p:style>
-            <p:txBody>
-              <a:bodyPr rtlCol="0" anchor="ctr"/>
-              <a:lstStyle/>
-              <a:p>
-                <a:pPr algn="ctr"/>
-                <a:endParaRPr lang="ru-RU"/>
-              </a:p>
-            </p:txBody>
-          </p:sp>
-          <p:sp>
-            <p:nvSpPr>
-              <p:cNvPr id="19" name="Овал 18"/>
-              <p:cNvSpPr/>
-              <p:nvPr/>
-            </p:nvSpPr>
-            <p:spPr>
-              <a:xfrm>
-                <a:off x="6584604" y="4877544"/>
-                <a:ext cx="360040" cy="360040"/>
-              </a:xfrm>
-              <a:prstGeom prst="ellipse">
-                <a:avLst/>
-              </a:prstGeom>
-            </p:spPr>
-            <p:style>
-              <a:lnRef idx="2">
-                <a:schemeClr val="accent1">
-                  <a:shade val="50000"/>
-                </a:schemeClr>
-              </a:lnRef>
-              <a:fillRef idx="1">
-                <a:schemeClr val="accent1"/>
-              </a:fillRef>
-              <a:effectRef idx="0">
-                <a:schemeClr val="accent1"/>
-              </a:effectRef>
-              <a:fontRef idx="minor">
-                <a:schemeClr val="lt1"/>
-              </a:fontRef>
-            </p:style>
-            <p:txBody>
-              <a:bodyPr rtlCol="0" anchor="ctr"/>
-              <a:lstStyle/>
-              <a:p>
-                <a:pPr algn="ctr"/>
-                <a:endParaRPr lang="ru-RU"/>
-              </a:p>
-            </p:txBody>
-          </p:sp>
-          <p:sp>
-            <p:nvSpPr>
-              <p:cNvPr id="20" name="Овал 19"/>
-              <p:cNvSpPr/>
-              <p:nvPr/>
-            </p:nvSpPr>
-            <p:spPr>
-              <a:xfrm>
-                <a:off x="6584604" y="5957664"/>
-                <a:ext cx="360040" cy="360040"/>
-              </a:xfrm>
-              <a:prstGeom prst="ellipse">
-                <a:avLst/>
-              </a:prstGeom>
-            </p:spPr>
-            <p:style>
-              <a:lnRef idx="2">
-                <a:schemeClr val="accent1">
-                  <a:shade val="50000"/>
-                </a:schemeClr>
-              </a:lnRef>
-              <a:fillRef idx="1">
-                <a:schemeClr val="accent1"/>
-              </a:fillRef>
-              <a:effectRef idx="0">
-                <a:schemeClr val="accent1"/>
-              </a:effectRef>
-              <a:fontRef idx="minor">
-                <a:schemeClr val="lt1"/>
-              </a:fontRef>
-            </p:style>
-            <p:txBody>
-              <a:bodyPr rtlCol="0" anchor="ctr"/>
-              <a:lstStyle/>
-              <a:p>
-                <a:pPr algn="ctr"/>
-                <a:endParaRPr lang="ru-RU"/>
-              </a:p>
-            </p:txBody>
-          </p:sp>
-          <p:grpSp>
-            <p:nvGrpSpPr>
-              <p:cNvPr id="74" name="Группа 73"/>
-              <p:cNvGrpSpPr/>
-              <p:nvPr/>
-            </p:nvGrpSpPr>
-            <p:grpSpPr>
-              <a:xfrm>
-                <a:off x="1047228" y="1673188"/>
-                <a:ext cx="2588668" cy="4492116"/>
-                <a:chOff x="1047228" y="1673188"/>
-                <a:chExt cx="2588668" cy="4492116"/>
-              </a:xfrm>
-            </p:grpSpPr>
-            <p:cxnSp>
-              <p:nvCxnSpPr>
-                <p:cNvPr id="22" name="Прямая соединительная линия 21"/>
-                <p:cNvCxnSpPr>
-                  <a:stCxn id="4" idx="6"/>
-                  <a:endCxn id="10" idx="2"/>
-                </p:cNvCxnSpPr>
-                <p:nvPr/>
-              </p:nvCxnSpPr>
-              <p:spPr>
-                <a:xfrm flipV="1">
-                  <a:off x="1047228" y="1673188"/>
-                  <a:ext cx="2588668" cy="27620"/>
-                </a:xfrm>
-                <a:prstGeom prst="line">
-                  <a:avLst/>
-                </a:prstGeom>
-              </p:spPr>
-              <p:style>
-                <a:lnRef idx="1">
-                  <a:schemeClr val="accent1"/>
-                </a:lnRef>
-                <a:fillRef idx="0">
-                  <a:schemeClr val="accent1"/>
-                </a:fillRef>
-                <a:effectRef idx="0">
-                  <a:schemeClr val="accent1"/>
-                </a:effectRef>
-                <a:fontRef idx="minor">
-                  <a:schemeClr val="tx1"/>
-                </a:fontRef>
-              </p:style>
-            </p:cxnSp>
-            <p:cxnSp>
-              <p:nvCxnSpPr>
-                <p:cNvPr id="24" name="Прямая соединительная линия 23"/>
-                <p:cNvCxnSpPr>
-                  <a:stCxn id="4" idx="6"/>
-                  <a:endCxn id="11" idx="2"/>
-                </p:cNvCxnSpPr>
-                <p:nvPr/>
-              </p:nvCxnSpPr>
-              <p:spPr>
-                <a:xfrm>
-                  <a:off x="1047228" y="1700808"/>
-                  <a:ext cx="2588668" cy="980492"/>
-                </a:xfrm>
-                <a:prstGeom prst="line">
-                  <a:avLst/>
-                </a:prstGeom>
-              </p:spPr>
-              <p:style>
-                <a:lnRef idx="1">
-                  <a:schemeClr val="accent1"/>
-                </a:lnRef>
-                <a:fillRef idx="0">
-                  <a:schemeClr val="accent1"/>
-                </a:fillRef>
-                <a:effectRef idx="0">
-                  <a:schemeClr val="accent1"/>
-                </a:effectRef>
-                <a:fontRef idx="minor">
-                  <a:schemeClr val="tx1"/>
-                </a:fontRef>
-              </p:style>
-            </p:cxnSp>
-            <p:cxnSp>
-              <p:nvCxnSpPr>
-                <p:cNvPr id="26" name="Прямая соединительная линия 25"/>
-                <p:cNvCxnSpPr>
-                  <a:stCxn id="4" idx="6"/>
-                  <a:endCxn id="12" idx="2"/>
-                </p:cNvCxnSpPr>
-                <p:nvPr/>
-              </p:nvCxnSpPr>
-              <p:spPr>
-                <a:xfrm>
-                  <a:off x="1047228" y="1700808"/>
-                  <a:ext cx="2588668" cy="2242072"/>
-                </a:xfrm>
-                <a:prstGeom prst="line">
-                  <a:avLst/>
-                </a:prstGeom>
-              </p:spPr>
-              <p:style>
-                <a:lnRef idx="1">
-                  <a:schemeClr val="accent1"/>
-                </a:lnRef>
-                <a:fillRef idx="0">
-                  <a:schemeClr val="accent1"/>
-                </a:fillRef>
-                <a:effectRef idx="0">
-                  <a:schemeClr val="accent1"/>
-                </a:effectRef>
-                <a:fontRef idx="minor">
-                  <a:schemeClr val="tx1"/>
-                </a:fontRef>
-              </p:style>
-            </p:cxnSp>
-            <p:cxnSp>
-              <p:nvCxnSpPr>
-                <p:cNvPr id="28" name="Прямая соединительная линия 27"/>
-                <p:cNvCxnSpPr>
-                  <a:stCxn id="4" idx="6"/>
-                  <a:endCxn id="13" idx="2"/>
-                </p:cNvCxnSpPr>
-                <p:nvPr/>
-              </p:nvCxnSpPr>
-              <p:spPr>
-                <a:xfrm>
-                  <a:off x="1047228" y="1700808"/>
-                  <a:ext cx="2588668" cy="3356756"/>
-                </a:xfrm>
-                <a:prstGeom prst="line">
-                  <a:avLst/>
-                </a:prstGeom>
-              </p:spPr>
-              <p:style>
-                <a:lnRef idx="1">
-                  <a:schemeClr val="accent1"/>
-                </a:lnRef>
-                <a:fillRef idx="0">
-                  <a:schemeClr val="accent1"/>
-                </a:fillRef>
-                <a:effectRef idx="0">
-                  <a:schemeClr val="accent1"/>
-                </a:effectRef>
-                <a:fontRef idx="minor">
-                  <a:schemeClr val="tx1"/>
-                </a:fontRef>
-              </p:style>
-            </p:cxnSp>
-            <p:cxnSp>
-              <p:nvCxnSpPr>
-                <p:cNvPr id="30" name="Прямая соединительная линия 29"/>
-                <p:cNvCxnSpPr>
-                  <a:stCxn id="4" idx="6"/>
-                  <a:endCxn id="14" idx="2"/>
-                </p:cNvCxnSpPr>
-                <p:nvPr/>
-              </p:nvCxnSpPr>
-              <p:spPr>
-                <a:xfrm>
-                  <a:off x="1047228" y="1700808"/>
-                  <a:ext cx="2588668" cy="4436876"/>
-                </a:xfrm>
-                <a:prstGeom prst="line">
-                  <a:avLst/>
-                </a:prstGeom>
-              </p:spPr>
-              <p:style>
-                <a:lnRef idx="1">
-                  <a:schemeClr val="accent1"/>
-                </a:lnRef>
-                <a:fillRef idx="0">
-                  <a:schemeClr val="accent1"/>
-                </a:fillRef>
-                <a:effectRef idx="0">
-                  <a:schemeClr val="accent1"/>
-                </a:effectRef>
-                <a:fontRef idx="minor">
-                  <a:schemeClr val="tx1"/>
-                </a:fontRef>
-              </p:style>
-            </p:cxnSp>
-            <p:cxnSp>
-              <p:nvCxnSpPr>
-                <p:cNvPr id="32" name="Прямая соединительная линия 31"/>
-                <p:cNvCxnSpPr>
-                  <a:stCxn id="6" idx="6"/>
-                  <a:endCxn id="10" idx="2"/>
-                </p:cNvCxnSpPr>
-                <p:nvPr/>
-              </p:nvCxnSpPr>
-              <p:spPr>
-                <a:xfrm flipV="1">
-                  <a:off x="1047228" y="1673188"/>
-                  <a:ext cx="2588668" cy="1035732"/>
-                </a:xfrm>
-                <a:prstGeom prst="line">
-                  <a:avLst/>
-                </a:prstGeom>
-              </p:spPr>
-              <p:style>
-                <a:lnRef idx="1">
-                  <a:schemeClr val="accent1"/>
-                </a:lnRef>
-                <a:fillRef idx="0">
-                  <a:schemeClr val="accent1"/>
-                </a:fillRef>
-                <a:effectRef idx="0">
-                  <a:schemeClr val="accent1"/>
-                </a:effectRef>
-                <a:fontRef idx="minor">
-                  <a:schemeClr val="tx1"/>
-                </a:fontRef>
-              </p:style>
-            </p:cxnSp>
-            <p:cxnSp>
-              <p:nvCxnSpPr>
-                <p:cNvPr id="35" name="Прямая соединительная линия 34"/>
-                <p:cNvCxnSpPr>
-                  <a:stCxn id="6" idx="6"/>
-                  <a:endCxn id="11" idx="2"/>
-                </p:cNvCxnSpPr>
-                <p:nvPr/>
-              </p:nvCxnSpPr>
-              <p:spPr>
-                <a:xfrm flipV="1">
-                  <a:off x="1047228" y="2681300"/>
-                  <a:ext cx="2588668" cy="27620"/>
-                </a:xfrm>
-                <a:prstGeom prst="line">
-                  <a:avLst/>
-                </a:prstGeom>
-              </p:spPr>
-              <p:style>
-                <a:lnRef idx="1">
-                  <a:schemeClr val="accent1"/>
-                </a:lnRef>
-                <a:fillRef idx="0">
-                  <a:schemeClr val="accent1"/>
-                </a:fillRef>
-                <a:effectRef idx="0">
-                  <a:schemeClr val="accent1"/>
-                </a:effectRef>
-                <a:fontRef idx="minor">
-                  <a:schemeClr val="tx1"/>
-                </a:fontRef>
-              </p:style>
-            </p:cxnSp>
-            <p:cxnSp>
-              <p:nvCxnSpPr>
-                <p:cNvPr id="37" name="Прямая соединительная линия 36"/>
-                <p:cNvCxnSpPr>
-                  <a:stCxn id="6" idx="6"/>
-                  <a:endCxn id="12" idx="2"/>
-                </p:cNvCxnSpPr>
-                <p:nvPr/>
-              </p:nvCxnSpPr>
-              <p:spPr>
-                <a:xfrm>
-                  <a:off x="1047228" y="2708920"/>
-                  <a:ext cx="2588668" cy="1233960"/>
-                </a:xfrm>
-                <a:prstGeom prst="line">
-                  <a:avLst/>
-                </a:prstGeom>
-              </p:spPr>
-              <p:style>
-                <a:lnRef idx="1">
-                  <a:schemeClr val="accent1"/>
-                </a:lnRef>
-                <a:fillRef idx="0">
-                  <a:schemeClr val="accent1"/>
-                </a:fillRef>
-                <a:effectRef idx="0">
-                  <a:schemeClr val="accent1"/>
-                </a:effectRef>
-                <a:fontRef idx="minor">
-                  <a:schemeClr val="tx1"/>
-                </a:fontRef>
-              </p:style>
-            </p:cxnSp>
-            <p:cxnSp>
-              <p:nvCxnSpPr>
-                <p:cNvPr id="39" name="Прямая соединительная линия 38"/>
-                <p:cNvCxnSpPr>
-                  <a:stCxn id="6" idx="6"/>
-                  <a:endCxn id="13" idx="2"/>
-                </p:cNvCxnSpPr>
-                <p:nvPr/>
-              </p:nvCxnSpPr>
-              <p:spPr>
-                <a:xfrm>
-                  <a:off x="1047228" y="2708920"/>
-                  <a:ext cx="2588668" cy="2348644"/>
-                </a:xfrm>
-                <a:prstGeom prst="line">
-                  <a:avLst/>
-                </a:prstGeom>
-              </p:spPr>
-              <p:style>
-                <a:lnRef idx="1">
-                  <a:schemeClr val="accent1"/>
-                </a:lnRef>
-                <a:fillRef idx="0">
-                  <a:schemeClr val="accent1"/>
-                </a:fillRef>
-                <a:effectRef idx="0">
-                  <a:schemeClr val="accent1"/>
-                </a:effectRef>
-                <a:fontRef idx="minor">
-                  <a:schemeClr val="tx1"/>
-                </a:fontRef>
-              </p:style>
-            </p:cxnSp>
-            <p:cxnSp>
-              <p:nvCxnSpPr>
-                <p:cNvPr id="43" name="Прямая соединительная линия 42"/>
-                <p:cNvCxnSpPr>
-                  <a:stCxn id="6" idx="6"/>
-                  <a:endCxn id="14" idx="2"/>
-                </p:cNvCxnSpPr>
-                <p:nvPr/>
-              </p:nvCxnSpPr>
-              <p:spPr>
-                <a:xfrm>
-                  <a:off x="1047228" y="2708920"/>
-                  <a:ext cx="2588668" cy="3428764"/>
-                </a:xfrm>
-                <a:prstGeom prst="line">
-                  <a:avLst/>
-                </a:prstGeom>
-              </p:spPr>
-              <p:style>
-                <a:lnRef idx="1">
-                  <a:schemeClr val="accent1"/>
-                </a:lnRef>
-                <a:fillRef idx="0">
-                  <a:schemeClr val="accent1"/>
-                </a:fillRef>
-                <a:effectRef idx="0">
-                  <a:schemeClr val="accent1"/>
-                </a:effectRef>
-                <a:fontRef idx="minor">
-                  <a:schemeClr val="tx1"/>
-                </a:fontRef>
-              </p:style>
-            </p:cxnSp>
-            <p:cxnSp>
-              <p:nvCxnSpPr>
-                <p:cNvPr id="45" name="Прямая соединительная линия 44"/>
-                <p:cNvCxnSpPr>
-                  <a:stCxn id="7" idx="6"/>
-                  <a:endCxn id="10" idx="2"/>
-                </p:cNvCxnSpPr>
-                <p:nvPr/>
-              </p:nvCxnSpPr>
-              <p:spPr>
-                <a:xfrm flipV="1">
-                  <a:off x="1047228" y="1673188"/>
-                  <a:ext cx="2588668" cy="2297312"/>
-                </a:xfrm>
-                <a:prstGeom prst="line">
-                  <a:avLst/>
-                </a:prstGeom>
-              </p:spPr>
-              <p:style>
-                <a:lnRef idx="1">
-                  <a:schemeClr val="accent1"/>
-                </a:lnRef>
-                <a:fillRef idx="0">
-                  <a:schemeClr val="accent1"/>
-                </a:fillRef>
-                <a:effectRef idx="0">
-                  <a:schemeClr val="accent1"/>
-                </a:effectRef>
-                <a:fontRef idx="minor">
-                  <a:schemeClr val="tx1"/>
-                </a:fontRef>
-              </p:style>
-            </p:cxnSp>
-            <p:cxnSp>
-              <p:nvCxnSpPr>
-                <p:cNvPr id="47" name="Прямая соединительная линия 46"/>
-                <p:cNvCxnSpPr>
-                  <a:stCxn id="7" idx="6"/>
-                  <a:endCxn id="11" idx="2"/>
-                </p:cNvCxnSpPr>
-                <p:nvPr/>
-              </p:nvCxnSpPr>
-              <p:spPr>
-                <a:xfrm flipV="1">
-                  <a:off x="1047228" y="2681300"/>
-                  <a:ext cx="2588668" cy="1289200"/>
-                </a:xfrm>
-                <a:prstGeom prst="line">
-                  <a:avLst/>
-                </a:prstGeom>
-              </p:spPr>
-              <p:style>
-                <a:lnRef idx="1">
-                  <a:schemeClr val="accent1"/>
-                </a:lnRef>
-                <a:fillRef idx="0">
-                  <a:schemeClr val="accent1"/>
-                </a:fillRef>
-                <a:effectRef idx="0">
-                  <a:schemeClr val="accent1"/>
-                </a:effectRef>
-                <a:fontRef idx="minor">
-                  <a:schemeClr val="tx1"/>
-                </a:fontRef>
-              </p:style>
-            </p:cxnSp>
-            <p:cxnSp>
-              <p:nvCxnSpPr>
-                <p:cNvPr id="49" name="Прямая соединительная линия 48"/>
-                <p:cNvCxnSpPr>
-                  <a:stCxn id="7" idx="6"/>
-                  <a:endCxn id="12" idx="2"/>
-                </p:cNvCxnSpPr>
-                <p:nvPr/>
-              </p:nvCxnSpPr>
-              <p:spPr>
-                <a:xfrm flipV="1">
-                  <a:off x="1047228" y="3942880"/>
-                  <a:ext cx="2588668" cy="27620"/>
-                </a:xfrm>
-                <a:prstGeom prst="line">
-                  <a:avLst/>
-                </a:prstGeom>
-              </p:spPr>
-              <p:style>
-                <a:lnRef idx="1">
-                  <a:schemeClr val="accent1"/>
-                </a:lnRef>
-                <a:fillRef idx="0">
-                  <a:schemeClr val="accent1"/>
-                </a:fillRef>
-                <a:effectRef idx="0">
-                  <a:schemeClr val="accent1"/>
-                </a:effectRef>
-                <a:fontRef idx="minor">
-                  <a:schemeClr val="tx1"/>
-                </a:fontRef>
-              </p:style>
-            </p:cxnSp>
-            <p:cxnSp>
-              <p:nvCxnSpPr>
-                <p:cNvPr id="51" name="Прямая соединительная линия 50"/>
-                <p:cNvCxnSpPr>
-                  <a:stCxn id="7" idx="6"/>
-                  <a:endCxn id="13" idx="2"/>
-                </p:cNvCxnSpPr>
-                <p:nvPr/>
-              </p:nvCxnSpPr>
-              <p:spPr>
-                <a:xfrm>
-                  <a:off x="1047228" y="3970500"/>
-                  <a:ext cx="2588668" cy="1087064"/>
-                </a:xfrm>
-                <a:prstGeom prst="line">
-                  <a:avLst/>
-                </a:prstGeom>
-              </p:spPr>
-              <p:style>
-                <a:lnRef idx="1">
-                  <a:schemeClr val="accent1"/>
-                </a:lnRef>
-                <a:fillRef idx="0">
-                  <a:schemeClr val="accent1"/>
-                </a:fillRef>
-                <a:effectRef idx="0">
-                  <a:schemeClr val="accent1"/>
-                </a:effectRef>
-                <a:fontRef idx="minor">
-                  <a:schemeClr val="tx1"/>
-                </a:fontRef>
-              </p:style>
-            </p:cxnSp>
-            <p:cxnSp>
-              <p:nvCxnSpPr>
-                <p:cNvPr id="53" name="Прямая соединительная линия 52"/>
-                <p:cNvCxnSpPr>
-                  <a:stCxn id="7" idx="6"/>
-                  <a:endCxn id="14" idx="2"/>
-                </p:cNvCxnSpPr>
-                <p:nvPr/>
-              </p:nvCxnSpPr>
-              <p:spPr>
-                <a:xfrm>
-                  <a:off x="1047228" y="3970500"/>
-                  <a:ext cx="2588668" cy="2167184"/>
-                </a:xfrm>
-                <a:prstGeom prst="line">
-                  <a:avLst/>
-                </a:prstGeom>
-              </p:spPr>
-              <p:style>
-                <a:lnRef idx="1">
-                  <a:schemeClr val="accent1"/>
-                </a:lnRef>
-                <a:fillRef idx="0">
-                  <a:schemeClr val="accent1"/>
-                </a:fillRef>
-                <a:effectRef idx="0">
-                  <a:schemeClr val="accent1"/>
-                </a:effectRef>
-                <a:fontRef idx="minor">
-                  <a:schemeClr val="tx1"/>
-                </a:fontRef>
-              </p:style>
-            </p:cxnSp>
-            <p:cxnSp>
-              <p:nvCxnSpPr>
-                <p:cNvPr id="55" name="Прямая соединительная линия 54"/>
-                <p:cNvCxnSpPr>
-                  <a:stCxn id="8" idx="6"/>
-                  <a:endCxn id="12" idx="2"/>
-                </p:cNvCxnSpPr>
-                <p:nvPr/>
-              </p:nvCxnSpPr>
-              <p:spPr>
-                <a:xfrm flipV="1">
-                  <a:off x="1047228" y="3942880"/>
-                  <a:ext cx="2588668" cy="1142304"/>
-                </a:xfrm>
-                <a:prstGeom prst="line">
-                  <a:avLst/>
-                </a:prstGeom>
-              </p:spPr>
-              <p:style>
-                <a:lnRef idx="1">
-                  <a:schemeClr val="accent1"/>
-                </a:lnRef>
-                <a:fillRef idx="0">
-                  <a:schemeClr val="accent1"/>
-                </a:fillRef>
-                <a:effectRef idx="0">
-                  <a:schemeClr val="accent1"/>
-                </a:effectRef>
-                <a:fontRef idx="minor">
-                  <a:schemeClr val="tx1"/>
-                </a:fontRef>
-              </p:style>
-            </p:cxnSp>
-            <p:cxnSp>
-              <p:nvCxnSpPr>
-                <p:cNvPr id="57" name="Прямая соединительная линия 56"/>
-                <p:cNvCxnSpPr>
-                  <a:stCxn id="8" idx="6"/>
-                  <a:endCxn id="14" idx="2"/>
-                </p:cNvCxnSpPr>
-                <p:nvPr/>
-              </p:nvCxnSpPr>
-              <p:spPr>
-                <a:xfrm>
-                  <a:off x="1047228" y="5085184"/>
-                  <a:ext cx="2588668" cy="1052500"/>
-                </a:xfrm>
-                <a:prstGeom prst="line">
-                  <a:avLst/>
-                </a:prstGeom>
-              </p:spPr>
-              <p:style>
-                <a:lnRef idx="1">
-                  <a:schemeClr val="accent1"/>
-                </a:lnRef>
-                <a:fillRef idx="0">
-                  <a:schemeClr val="accent1"/>
-                </a:fillRef>
-                <a:effectRef idx="0">
-                  <a:schemeClr val="accent1"/>
-                </a:effectRef>
-                <a:fontRef idx="minor">
-                  <a:schemeClr val="tx1"/>
-                </a:fontRef>
-              </p:style>
-            </p:cxnSp>
-            <p:cxnSp>
-              <p:nvCxnSpPr>
-                <p:cNvPr id="59" name="Прямая соединительная линия 58"/>
-                <p:cNvCxnSpPr>
-                  <a:stCxn id="8" idx="6"/>
-                  <a:endCxn id="13" idx="2"/>
-                </p:cNvCxnSpPr>
-                <p:nvPr/>
-              </p:nvCxnSpPr>
-              <p:spPr>
-                <a:xfrm flipV="1">
-                  <a:off x="1047228" y="5057564"/>
-                  <a:ext cx="2588668" cy="27620"/>
-                </a:xfrm>
-                <a:prstGeom prst="line">
-                  <a:avLst/>
-                </a:prstGeom>
-              </p:spPr>
-              <p:style>
-                <a:lnRef idx="1">
-                  <a:schemeClr val="accent1"/>
-                </a:lnRef>
-                <a:fillRef idx="0">
-                  <a:schemeClr val="accent1"/>
-                </a:fillRef>
-                <a:effectRef idx="0">
-                  <a:schemeClr val="accent1"/>
-                </a:effectRef>
-                <a:fontRef idx="minor">
-                  <a:schemeClr val="tx1"/>
-                </a:fontRef>
-              </p:style>
-            </p:cxnSp>
-            <p:cxnSp>
-              <p:nvCxnSpPr>
-                <p:cNvPr id="63" name="Прямая соединительная линия 62"/>
-                <p:cNvCxnSpPr>
-                  <a:stCxn id="8" idx="6"/>
-                  <a:endCxn id="11" idx="2"/>
-                </p:cNvCxnSpPr>
-                <p:nvPr/>
-              </p:nvCxnSpPr>
-              <p:spPr>
-                <a:xfrm flipV="1">
-                  <a:off x="1047228" y="2681300"/>
-                  <a:ext cx="2588668" cy="2403884"/>
-                </a:xfrm>
-                <a:prstGeom prst="line">
-                  <a:avLst/>
-                </a:prstGeom>
-              </p:spPr>
-              <p:style>
-                <a:lnRef idx="1">
-                  <a:schemeClr val="accent1"/>
-                </a:lnRef>
-                <a:fillRef idx="0">
-                  <a:schemeClr val="accent1"/>
-                </a:fillRef>
-                <a:effectRef idx="0">
-                  <a:schemeClr val="accent1"/>
-                </a:effectRef>
-                <a:fontRef idx="minor">
-                  <a:schemeClr val="tx1"/>
-                </a:fontRef>
-              </p:style>
-            </p:cxnSp>
-            <p:cxnSp>
-              <p:nvCxnSpPr>
-                <p:cNvPr id="65" name="Прямая соединительная линия 64"/>
-                <p:cNvCxnSpPr>
-                  <a:stCxn id="8" idx="6"/>
-                  <a:endCxn id="10" idx="2"/>
-                </p:cNvCxnSpPr>
-                <p:nvPr/>
-              </p:nvCxnSpPr>
-              <p:spPr>
-                <a:xfrm flipV="1">
-                  <a:off x="1047228" y="1673188"/>
-                  <a:ext cx="2588668" cy="3411996"/>
-                </a:xfrm>
-                <a:prstGeom prst="line">
-                  <a:avLst/>
-                </a:prstGeom>
-              </p:spPr>
-              <p:style>
-                <a:lnRef idx="1">
-                  <a:schemeClr val="accent1"/>
-                </a:lnRef>
-                <a:fillRef idx="0">
-                  <a:schemeClr val="accent1"/>
-                </a:fillRef>
-                <a:effectRef idx="0">
-                  <a:schemeClr val="accent1"/>
-                </a:effectRef>
-                <a:fontRef idx="minor">
-                  <a:schemeClr val="tx1"/>
-                </a:fontRef>
-              </p:style>
-            </p:cxnSp>
-            <p:cxnSp>
-              <p:nvCxnSpPr>
-                <p:cNvPr id="67" name="Прямая соединительная линия 66"/>
-                <p:cNvCxnSpPr>
-                  <a:stCxn id="9" idx="6"/>
-                  <a:endCxn id="10" idx="2"/>
-                </p:cNvCxnSpPr>
-                <p:nvPr/>
-              </p:nvCxnSpPr>
-              <p:spPr>
-                <a:xfrm flipV="1">
-                  <a:off x="1047228" y="1673188"/>
-                  <a:ext cx="2588668" cy="4492116"/>
-                </a:xfrm>
-                <a:prstGeom prst="line">
-                  <a:avLst/>
-                </a:prstGeom>
-              </p:spPr>
-              <p:style>
-                <a:lnRef idx="1">
-                  <a:schemeClr val="accent1"/>
-                </a:lnRef>
-                <a:fillRef idx="0">
-                  <a:schemeClr val="accent1"/>
-                </a:fillRef>
-                <a:effectRef idx="0">
-                  <a:schemeClr val="accent1"/>
-                </a:effectRef>
-                <a:fontRef idx="minor">
-                  <a:schemeClr val="tx1"/>
-                </a:fontRef>
-              </p:style>
-            </p:cxnSp>
-            <p:cxnSp>
-              <p:nvCxnSpPr>
-                <p:cNvPr id="69" name="Прямая соединительная линия 68"/>
-                <p:cNvCxnSpPr>
-                  <a:stCxn id="9" idx="6"/>
-                  <a:endCxn id="11" idx="2"/>
-                </p:cNvCxnSpPr>
-                <p:nvPr/>
-              </p:nvCxnSpPr>
-              <p:spPr>
-                <a:xfrm flipV="1">
-                  <a:off x="1047228" y="2681300"/>
-                  <a:ext cx="2588668" cy="3484004"/>
-                </a:xfrm>
-                <a:prstGeom prst="line">
-                  <a:avLst/>
-                </a:prstGeom>
-              </p:spPr>
-              <p:style>
-                <a:lnRef idx="1">
-                  <a:schemeClr val="accent1"/>
-                </a:lnRef>
-                <a:fillRef idx="0">
-                  <a:schemeClr val="accent1"/>
-                </a:fillRef>
-                <a:effectRef idx="0">
-                  <a:schemeClr val="accent1"/>
-                </a:effectRef>
-                <a:fontRef idx="minor">
-                  <a:schemeClr val="tx1"/>
-                </a:fontRef>
-              </p:style>
-            </p:cxnSp>
-            <p:cxnSp>
-              <p:nvCxnSpPr>
-                <p:cNvPr id="71" name="Прямая соединительная линия 70"/>
-                <p:cNvCxnSpPr>
-                  <a:stCxn id="9" idx="6"/>
-                  <a:endCxn id="12" idx="2"/>
-                </p:cNvCxnSpPr>
-                <p:nvPr/>
-              </p:nvCxnSpPr>
-              <p:spPr>
-                <a:xfrm flipV="1">
-                  <a:off x="1047228" y="3942880"/>
-                  <a:ext cx="2588668" cy="2222424"/>
-                </a:xfrm>
-                <a:prstGeom prst="line">
-                  <a:avLst/>
-                </a:prstGeom>
-              </p:spPr>
-              <p:style>
-                <a:lnRef idx="1">
-                  <a:schemeClr val="accent1"/>
-                </a:lnRef>
-                <a:fillRef idx="0">
-                  <a:schemeClr val="accent1"/>
-                </a:fillRef>
-                <a:effectRef idx="0">
-                  <a:schemeClr val="accent1"/>
-                </a:effectRef>
-                <a:fontRef idx="minor">
-                  <a:schemeClr val="tx1"/>
-                </a:fontRef>
-              </p:style>
-            </p:cxnSp>
-            <p:cxnSp>
-              <p:nvCxnSpPr>
-                <p:cNvPr id="73" name="Прямая соединительная линия 72"/>
-                <p:cNvCxnSpPr>
-                  <a:stCxn id="9" idx="6"/>
-                  <a:endCxn id="13" idx="2"/>
-                </p:cNvCxnSpPr>
-                <p:nvPr/>
-              </p:nvCxnSpPr>
-              <p:spPr>
-                <a:xfrm flipV="1">
-                  <a:off x="1047228" y="5057564"/>
-                  <a:ext cx="2588668" cy="1107740"/>
-                </a:xfrm>
-                <a:prstGeom prst="line">
-                  <a:avLst/>
-                </a:prstGeom>
-              </p:spPr>
-              <p:style>
-                <a:lnRef idx="1">
-                  <a:schemeClr val="accent1"/>
-                </a:lnRef>
-                <a:fillRef idx="0">
-                  <a:schemeClr val="accent1"/>
-                </a:fillRef>
-                <a:effectRef idx="0">
-                  <a:schemeClr val="accent1"/>
-                </a:effectRef>
-                <a:fontRef idx="minor">
-                  <a:schemeClr val="tx1"/>
-                </a:fontRef>
-              </p:style>
-            </p:cxnSp>
-          </p:grpSp>
-          <p:grpSp>
-            <p:nvGrpSpPr>
-              <p:cNvPr id="75" name="Группа 74"/>
-              <p:cNvGrpSpPr/>
-              <p:nvPr/>
-            </p:nvGrpSpPr>
-            <p:grpSpPr>
-              <a:xfrm>
-                <a:off x="3995936" y="1637184"/>
-                <a:ext cx="2588668" cy="4492116"/>
-                <a:chOff x="1047228" y="1673188"/>
-                <a:chExt cx="2588668" cy="4492116"/>
-              </a:xfrm>
-            </p:grpSpPr>
-            <p:cxnSp>
-              <p:nvCxnSpPr>
-                <p:cNvPr id="76" name="Прямая соединительная линия 75"/>
-                <p:cNvCxnSpPr/>
-                <p:nvPr/>
-              </p:nvCxnSpPr>
-              <p:spPr>
-                <a:xfrm flipV="1">
-                  <a:off x="1047228" y="1673188"/>
-                  <a:ext cx="2588668" cy="27620"/>
-                </a:xfrm>
-                <a:prstGeom prst="line">
-                  <a:avLst/>
-                </a:prstGeom>
-              </p:spPr>
-              <p:style>
-                <a:lnRef idx="1">
-                  <a:schemeClr val="accent1"/>
-                </a:lnRef>
-                <a:fillRef idx="0">
-                  <a:schemeClr val="accent1"/>
-                </a:fillRef>
-                <a:effectRef idx="0">
-                  <a:schemeClr val="accent1"/>
-                </a:effectRef>
-                <a:fontRef idx="minor">
-                  <a:schemeClr val="tx1"/>
-                </a:fontRef>
-              </p:style>
-            </p:cxnSp>
-            <p:cxnSp>
-              <p:nvCxnSpPr>
-                <p:cNvPr id="77" name="Прямая соединительная линия 76"/>
-                <p:cNvCxnSpPr/>
-                <p:nvPr/>
-              </p:nvCxnSpPr>
-              <p:spPr>
-                <a:xfrm>
-                  <a:off x="1047228" y="1700808"/>
-                  <a:ext cx="2588668" cy="980492"/>
-                </a:xfrm>
-                <a:prstGeom prst="line">
-                  <a:avLst/>
-                </a:prstGeom>
-              </p:spPr>
-              <p:style>
-                <a:lnRef idx="1">
-                  <a:schemeClr val="accent1"/>
-                </a:lnRef>
-                <a:fillRef idx="0">
-                  <a:schemeClr val="accent1"/>
-                </a:fillRef>
-                <a:effectRef idx="0">
-                  <a:schemeClr val="accent1"/>
-                </a:effectRef>
-                <a:fontRef idx="minor">
-                  <a:schemeClr val="tx1"/>
-                </a:fontRef>
-              </p:style>
-            </p:cxnSp>
-            <p:cxnSp>
-              <p:nvCxnSpPr>
-                <p:cNvPr id="78" name="Прямая соединительная линия 77"/>
-                <p:cNvCxnSpPr/>
-                <p:nvPr/>
-              </p:nvCxnSpPr>
-              <p:spPr>
-                <a:xfrm>
-                  <a:off x="1047228" y="1700808"/>
-                  <a:ext cx="2588668" cy="2242072"/>
-                </a:xfrm>
-                <a:prstGeom prst="line">
-                  <a:avLst/>
-                </a:prstGeom>
-              </p:spPr>
-              <p:style>
-                <a:lnRef idx="1">
-                  <a:schemeClr val="accent1"/>
-                </a:lnRef>
-                <a:fillRef idx="0">
-                  <a:schemeClr val="accent1"/>
-                </a:fillRef>
-                <a:effectRef idx="0">
-                  <a:schemeClr val="accent1"/>
-                </a:effectRef>
-                <a:fontRef idx="minor">
-                  <a:schemeClr val="tx1"/>
-                </a:fontRef>
-              </p:style>
-            </p:cxnSp>
-            <p:cxnSp>
-              <p:nvCxnSpPr>
-                <p:cNvPr id="79" name="Прямая соединительная линия 78"/>
-                <p:cNvCxnSpPr/>
-                <p:nvPr/>
-              </p:nvCxnSpPr>
-              <p:spPr>
-                <a:xfrm>
-                  <a:off x="1047228" y="1700808"/>
-                  <a:ext cx="2588668" cy="3356756"/>
-                </a:xfrm>
-                <a:prstGeom prst="line">
-                  <a:avLst/>
-                </a:prstGeom>
-              </p:spPr>
-              <p:style>
-                <a:lnRef idx="1">
-                  <a:schemeClr val="accent1"/>
-                </a:lnRef>
-                <a:fillRef idx="0">
-                  <a:schemeClr val="accent1"/>
-                </a:fillRef>
-                <a:effectRef idx="0">
-                  <a:schemeClr val="accent1"/>
-                </a:effectRef>
-                <a:fontRef idx="minor">
-                  <a:schemeClr val="tx1"/>
-                </a:fontRef>
-              </p:style>
-            </p:cxnSp>
-            <p:cxnSp>
-              <p:nvCxnSpPr>
-                <p:cNvPr id="80" name="Прямая соединительная линия 79"/>
-                <p:cNvCxnSpPr/>
-                <p:nvPr/>
-              </p:nvCxnSpPr>
-              <p:spPr>
-                <a:xfrm>
-                  <a:off x="1047228" y="1700808"/>
-                  <a:ext cx="2588668" cy="4436876"/>
-                </a:xfrm>
-                <a:prstGeom prst="line">
-                  <a:avLst/>
-                </a:prstGeom>
-              </p:spPr>
-              <p:style>
-                <a:lnRef idx="1">
-                  <a:schemeClr val="accent1"/>
-                </a:lnRef>
-                <a:fillRef idx="0">
-                  <a:schemeClr val="accent1"/>
-                </a:fillRef>
-                <a:effectRef idx="0">
-                  <a:schemeClr val="accent1"/>
-                </a:effectRef>
-                <a:fontRef idx="minor">
-                  <a:schemeClr val="tx1"/>
-                </a:fontRef>
-              </p:style>
-            </p:cxnSp>
-            <p:cxnSp>
-              <p:nvCxnSpPr>
-                <p:cNvPr id="81" name="Прямая соединительная линия 80"/>
-                <p:cNvCxnSpPr/>
-                <p:nvPr/>
-              </p:nvCxnSpPr>
-              <p:spPr>
-                <a:xfrm flipV="1">
-                  <a:off x="1047228" y="1673188"/>
-                  <a:ext cx="2588668" cy="1035732"/>
-                </a:xfrm>
-                <a:prstGeom prst="line">
-                  <a:avLst/>
-                </a:prstGeom>
-              </p:spPr>
-              <p:style>
-                <a:lnRef idx="1">
-                  <a:schemeClr val="accent1"/>
-                </a:lnRef>
-                <a:fillRef idx="0">
-                  <a:schemeClr val="accent1"/>
-                </a:fillRef>
-                <a:effectRef idx="0">
-                  <a:schemeClr val="accent1"/>
-                </a:effectRef>
-                <a:fontRef idx="minor">
-                  <a:schemeClr val="tx1"/>
-                </a:fontRef>
-              </p:style>
-            </p:cxnSp>
-            <p:cxnSp>
-              <p:nvCxnSpPr>
-                <p:cNvPr id="82" name="Прямая соединительная линия 81"/>
-                <p:cNvCxnSpPr/>
-                <p:nvPr/>
-              </p:nvCxnSpPr>
-              <p:spPr>
-                <a:xfrm flipV="1">
-                  <a:off x="1047228" y="2681300"/>
-                  <a:ext cx="2588668" cy="27620"/>
-                </a:xfrm>
-                <a:prstGeom prst="line">
-                  <a:avLst/>
-                </a:prstGeom>
-              </p:spPr>
-              <p:style>
-                <a:lnRef idx="1">
-                  <a:schemeClr val="accent1"/>
-                </a:lnRef>
-                <a:fillRef idx="0">
-                  <a:schemeClr val="accent1"/>
-                </a:fillRef>
-                <a:effectRef idx="0">
-                  <a:schemeClr val="accent1"/>
-                </a:effectRef>
-                <a:fontRef idx="minor">
-                  <a:schemeClr val="tx1"/>
-                </a:fontRef>
-              </p:style>
-            </p:cxnSp>
-            <p:cxnSp>
-              <p:nvCxnSpPr>
-                <p:cNvPr id="83" name="Прямая соединительная линия 82"/>
-                <p:cNvCxnSpPr/>
-                <p:nvPr/>
-              </p:nvCxnSpPr>
-              <p:spPr>
-                <a:xfrm>
-                  <a:off x="1047228" y="2708920"/>
-                  <a:ext cx="2588668" cy="1233960"/>
-                </a:xfrm>
-                <a:prstGeom prst="line">
-                  <a:avLst/>
-                </a:prstGeom>
-              </p:spPr>
-              <p:style>
-                <a:lnRef idx="1">
-                  <a:schemeClr val="accent1"/>
-                </a:lnRef>
-                <a:fillRef idx="0">
-                  <a:schemeClr val="accent1"/>
-                </a:fillRef>
-                <a:effectRef idx="0">
-                  <a:schemeClr val="accent1"/>
-                </a:effectRef>
-                <a:fontRef idx="minor">
-                  <a:schemeClr val="tx1"/>
-                </a:fontRef>
-              </p:style>
-            </p:cxnSp>
-            <p:cxnSp>
-              <p:nvCxnSpPr>
-                <p:cNvPr id="84" name="Прямая соединительная линия 83"/>
-                <p:cNvCxnSpPr/>
-                <p:nvPr/>
-              </p:nvCxnSpPr>
-              <p:spPr>
-                <a:xfrm>
-                  <a:off x="1047228" y="2708920"/>
-                  <a:ext cx="2588668" cy="2348644"/>
-                </a:xfrm>
-                <a:prstGeom prst="line">
-                  <a:avLst/>
-                </a:prstGeom>
-              </p:spPr>
-              <p:style>
-                <a:lnRef idx="1">
-                  <a:schemeClr val="accent1"/>
-                </a:lnRef>
-                <a:fillRef idx="0">
-                  <a:schemeClr val="accent1"/>
-                </a:fillRef>
-                <a:effectRef idx="0">
-                  <a:schemeClr val="accent1"/>
-                </a:effectRef>
-                <a:fontRef idx="minor">
-                  <a:schemeClr val="tx1"/>
-                </a:fontRef>
-              </p:style>
-            </p:cxnSp>
-            <p:cxnSp>
-              <p:nvCxnSpPr>
-                <p:cNvPr id="85" name="Прямая соединительная линия 84"/>
-                <p:cNvCxnSpPr/>
-                <p:nvPr/>
-              </p:nvCxnSpPr>
-              <p:spPr>
-                <a:xfrm>
-                  <a:off x="1047228" y="2708920"/>
-                  <a:ext cx="2588668" cy="3428764"/>
-                </a:xfrm>
-                <a:prstGeom prst="line">
-                  <a:avLst/>
-                </a:prstGeom>
-              </p:spPr>
-              <p:style>
-                <a:lnRef idx="1">
-                  <a:schemeClr val="accent1"/>
-                </a:lnRef>
-                <a:fillRef idx="0">
-                  <a:schemeClr val="accent1"/>
-                </a:fillRef>
-                <a:effectRef idx="0">
-                  <a:schemeClr val="accent1"/>
-                </a:effectRef>
-                <a:fontRef idx="minor">
-                  <a:schemeClr val="tx1"/>
-                </a:fontRef>
-              </p:style>
-            </p:cxnSp>
-            <p:cxnSp>
-              <p:nvCxnSpPr>
-                <p:cNvPr id="86" name="Прямая соединительная линия 85"/>
-                <p:cNvCxnSpPr/>
-                <p:nvPr/>
-              </p:nvCxnSpPr>
-              <p:spPr>
-                <a:xfrm flipV="1">
-                  <a:off x="1047228" y="1673188"/>
-                  <a:ext cx="2588668" cy="2297312"/>
-                </a:xfrm>
-                <a:prstGeom prst="line">
-                  <a:avLst/>
-                </a:prstGeom>
-              </p:spPr>
-              <p:style>
-                <a:lnRef idx="1">
-                  <a:schemeClr val="accent1"/>
-                </a:lnRef>
-                <a:fillRef idx="0">
-                  <a:schemeClr val="accent1"/>
-                </a:fillRef>
-                <a:effectRef idx="0">
-                  <a:schemeClr val="accent1"/>
-                </a:effectRef>
-                <a:fontRef idx="minor">
-                  <a:schemeClr val="tx1"/>
-                </a:fontRef>
-              </p:style>
-            </p:cxnSp>
-            <p:cxnSp>
-              <p:nvCxnSpPr>
-                <p:cNvPr id="87" name="Прямая соединительная линия 86"/>
-                <p:cNvCxnSpPr/>
-                <p:nvPr/>
-              </p:nvCxnSpPr>
-              <p:spPr>
-                <a:xfrm flipV="1">
-                  <a:off x="1047228" y="2681300"/>
-                  <a:ext cx="2588668" cy="1289200"/>
-                </a:xfrm>
-                <a:prstGeom prst="line">
-                  <a:avLst/>
-                </a:prstGeom>
-              </p:spPr>
-              <p:style>
-                <a:lnRef idx="1">
-                  <a:schemeClr val="accent1"/>
-                </a:lnRef>
-                <a:fillRef idx="0">
-                  <a:schemeClr val="accent1"/>
-                </a:fillRef>
-                <a:effectRef idx="0">
-                  <a:schemeClr val="accent1"/>
-                </a:effectRef>
-                <a:fontRef idx="minor">
-                  <a:schemeClr val="tx1"/>
-                </a:fontRef>
-              </p:style>
-            </p:cxnSp>
-            <p:cxnSp>
-              <p:nvCxnSpPr>
-                <p:cNvPr id="88" name="Прямая соединительная линия 87"/>
-                <p:cNvCxnSpPr/>
-                <p:nvPr/>
-              </p:nvCxnSpPr>
-              <p:spPr>
-                <a:xfrm flipV="1">
-                  <a:off x="1047228" y="3942880"/>
-                  <a:ext cx="2588668" cy="27620"/>
-                </a:xfrm>
-                <a:prstGeom prst="line">
-                  <a:avLst/>
-                </a:prstGeom>
-              </p:spPr>
-              <p:style>
-                <a:lnRef idx="1">
-                  <a:schemeClr val="accent1"/>
-                </a:lnRef>
-                <a:fillRef idx="0">
-                  <a:schemeClr val="accent1"/>
-                </a:fillRef>
-                <a:effectRef idx="0">
-                  <a:schemeClr val="accent1"/>
-                </a:effectRef>
-                <a:fontRef idx="minor">
-                  <a:schemeClr val="tx1"/>
-                </a:fontRef>
-              </p:style>
-            </p:cxnSp>
-            <p:cxnSp>
-              <p:nvCxnSpPr>
-                <p:cNvPr id="89" name="Прямая соединительная линия 88"/>
-                <p:cNvCxnSpPr/>
-                <p:nvPr/>
-              </p:nvCxnSpPr>
-              <p:spPr>
-                <a:xfrm>
-                  <a:off x="1047228" y="3970500"/>
-                  <a:ext cx="2588668" cy="1087064"/>
-                </a:xfrm>
-                <a:prstGeom prst="line">
-                  <a:avLst/>
-                </a:prstGeom>
-              </p:spPr>
-              <p:style>
-                <a:lnRef idx="1">
-                  <a:schemeClr val="accent1"/>
-                </a:lnRef>
-                <a:fillRef idx="0">
-                  <a:schemeClr val="accent1"/>
-                </a:fillRef>
-                <a:effectRef idx="0">
-                  <a:schemeClr val="accent1"/>
-                </a:effectRef>
-                <a:fontRef idx="minor">
-                  <a:schemeClr val="tx1"/>
-                </a:fontRef>
-              </p:style>
-            </p:cxnSp>
-            <p:cxnSp>
-              <p:nvCxnSpPr>
-                <p:cNvPr id="90" name="Прямая соединительная линия 89"/>
-                <p:cNvCxnSpPr/>
-                <p:nvPr/>
-              </p:nvCxnSpPr>
-              <p:spPr>
-                <a:xfrm>
-                  <a:off x="1047228" y="3970500"/>
-                  <a:ext cx="2588668" cy="2167184"/>
-                </a:xfrm>
-                <a:prstGeom prst="line">
-                  <a:avLst/>
-                </a:prstGeom>
-              </p:spPr>
-              <p:style>
-                <a:lnRef idx="1">
-                  <a:schemeClr val="accent1"/>
-                </a:lnRef>
-                <a:fillRef idx="0">
-                  <a:schemeClr val="accent1"/>
-                </a:fillRef>
-                <a:effectRef idx="0">
-                  <a:schemeClr val="accent1"/>
-                </a:effectRef>
-                <a:fontRef idx="minor">
-                  <a:schemeClr val="tx1"/>
-                </a:fontRef>
-              </p:style>
-            </p:cxnSp>
-            <p:cxnSp>
-              <p:nvCxnSpPr>
-                <p:cNvPr id="91" name="Прямая соединительная линия 90"/>
-                <p:cNvCxnSpPr/>
-                <p:nvPr/>
-              </p:nvCxnSpPr>
-              <p:spPr>
-                <a:xfrm flipV="1">
-                  <a:off x="1047228" y="3942880"/>
-                  <a:ext cx="2588668" cy="1142304"/>
-                </a:xfrm>
-                <a:prstGeom prst="line">
-                  <a:avLst/>
-                </a:prstGeom>
-              </p:spPr>
-              <p:style>
-                <a:lnRef idx="1">
-                  <a:schemeClr val="accent1"/>
-                </a:lnRef>
-                <a:fillRef idx="0">
-                  <a:schemeClr val="accent1"/>
-                </a:fillRef>
-                <a:effectRef idx="0">
-                  <a:schemeClr val="accent1"/>
-                </a:effectRef>
-                <a:fontRef idx="minor">
-                  <a:schemeClr val="tx1"/>
-                </a:fontRef>
-              </p:style>
-            </p:cxnSp>
-            <p:cxnSp>
-              <p:nvCxnSpPr>
-                <p:cNvPr id="92" name="Прямая соединительная линия 91"/>
-                <p:cNvCxnSpPr/>
-                <p:nvPr/>
-              </p:nvCxnSpPr>
-              <p:spPr>
-                <a:xfrm>
-                  <a:off x="1047228" y="5085184"/>
-                  <a:ext cx="2588668" cy="1052500"/>
-                </a:xfrm>
-                <a:prstGeom prst="line">
-                  <a:avLst/>
-                </a:prstGeom>
-              </p:spPr>
-              <p:style>
-                <a:lnRef idx="1">
-                  <a:schemeClr val="accent1"/>
-                </a:lnRef>
-                <a:fillRef idx="0">
-                  <a:schemeClr val="accent1"/>
-                </a:fillRef>
-                <a:effectRef idx="0">
-                  <a:schemeClr val="accent1"/>
-                </a:effectRef>
-                <a:fontRef idx="minor">
-                  <a:schemeClr val="tx1"/>
-                </a:fontRef>
-              </p:style>
-            </p:cxnSp>
-            <p:cxnSp>
-              <p:nvCxnSpPr>
-                <p:cNvPr id="93" name="Прямая соединительная линия 92"/>
-                <p:cNvCxnSpPr/>
-                <p:nvPr/>
-              </p:nvCxnSpPr>
-              <p:spPr>
-                <a:xfrm flipV="1">
-                  <a:off x="1047228" y="5057564"/>
-                  <a:ext cx="2588668" cy="27620"/>
-                </a:xfrm>
-                <a:prstGeom prst="line">
-                  <a:avLst/>
-                </a:prstGeom>
-              </p:spPr>
-              <p:style>
-                <a:lnRef idx="1">
-                  <a:schemeClr val="accent1"/>
-                </a:lnRef>
-                <a:fillRef idx="0">
-                  <a:schemeClr val="accent1"/>
-                </a:fillRef>
-                <a:effectRef idx="0">
-                  <a:schemeClr val="accent1"/>
-                </a:effectRef>
-                <a:fontRef idx="minor">
-                  <a:schemeClr val="tx1"/>
-                </a:fontRef>
-              </p:style>
-            </p:cxnSp>
-            <p:cxnSp>
-              <p:nvCxnSpPr>
-                <p:cNvPr id="94" name="Прямая соединительная линия 93"/>
-                <p:cNvCxnSpPr/>
-                <p:nvPr/>
-              </p:nvCxnSpPr>
-              <p:spPr>
-                <a:xfrm flipV="1">
-                  <a:off x="1047228" y="2681300"/>
-                  <a:ext cx="2588668" cy="2403884"/>
-                </a:xfrm>
-                <a:prstGeom prst="line">
-                  <a:avLst/>
-                </a:prstGeom>
-              </p:spPr>
-              <p:style>
-                <a:lnRef idx="1">
-                  <a:schemeClr val="accent1"/>
-                </a:lnRef>
-                <a:fillRef idx="0">
-                  <a:schemeClr val="accent1"/>
-                </a:fillRef>
-                <a:effectRef idx="0">
-                  <a:schemeClr val="accent1"/>
-                </a:effectRef>
-                <a:fontRef idx="minor">
-                  <a:schemeClr val="tx1"/>
-                </a:fontRef>
-              </p:style>
-            </p:cxnSp>
-            <p:cxnSp>
-              <p:nvCxnSpPr>
-                <p:cNvPr id="95" name="Прямая соединительная линия 94"/>
-                <p:cNvCxnSpPr/>
-                <p:nvPr/>
-              </p:nvCxnSpPr>
-              <p:spPr>
-                <a:xfrm flipV="1">
-                  <a:off x="1047228" y="1673188"/>
-                  <a:ext cx="2588668" cy="3411996"/>
-                </a:xfrm>
-                <a:prstGeom prst="line">
-                  <a:avLst/>
-                </a:prstGeom>
-              </p:spPr>
-              <p:style>
-                <a:lnRef idx="1">
-                  <a:schemeClr val="accent1"/>
-                </a:lnRef>
-                <a:fillRef idx="0">
-                  <a:schemeClr val="accent1"/>
-                </a:fillRef>
-                <a:effectRef idx="0">
-                  <a:schemeClr val="accent1"/>
-                </a:effectRef>
-                <a:fontRef idx="minor">
-                  <a:schemeClr val="tx1"/>
-                </a:fontRef>
-              </p:style>
-            </p:cxnSp>
-            <p:cxnSp>
-              <p:nvCxnSpPr>
-                <p:cNvPr id="96" name="Прямая соединительная линия 95"/>
-                <p:cNvCxnSpPr/>
-                <p:nvPr/>
-              </p:nvCxnSpPr>
-              <p:spPr>
-                <a:xfrm flipV="1">
-                  <a:off x="1047228" y="1673188"/>
-                  <a:ext cx="2588668" cy="4492116"/>
-                </a:xfrm>
-                <a:prstGeom prst="line">
-                  <a:avLst/>
-                </a:prstGeom>
-              </p:spPr>
-              <p:style>
-                <a:lnRef idx="1">
-                  <a:schemeClr val="accent1"/>
-                </a:lnRef>
-                <a:fillRef idx="0">
-                  <a:schemeClr val="accent1"/>
-                </a:fillRef>
-                <a:effectRef idx="0">
-                  <a:schemeClr val="accent1"/>
-                </a:effectRef>
-                <a:fontRef idx="minor">
-                  <a:schemeClr val="tx1"/>
-                </a:fontRef>
-              </p:style>
-            </p:cxnSp>
-            <p:cxnSp>
-              <p:nvCxnSpPr>
-                <p:cNvPr id="97" name="Прямая соединительная линия 96"/>
-                <p:cNvCxnSpPr/>
-                <p:nvPr/>
-              </p:nvCxnSpPr>
-              <p:spPr>
-                <a:xfrm flipV="1">
-                  <a:off x="1047228" y="2681300"/>
-                  <a:ext cx="2588668" cy="3484004"/>
-                </a:xfrm>
-                <a:prstGeom prst="line">
-                  <a:avLst/>
-                </a:prstGeom>
-              </p:spPr>
-              <p:style>
-                <a:lnRef idx="1">
-                  <a:schemeClr val="accent1"/>
-                </a:lnRef>
-                <a:fillRef idx="0">
-                  <a:schemeClr val="accent1"/>
-                </a:fillRef>
-                <a:effectRef idx="0">
-                  <a:schemeClr val="accent1"/>
-                </a:effectRef>
-                <a:fontRef idx="minor">
-                  <a:schemeClr val="tx1"/>
-                </a:fontRef>
-              </p:style>
-            </p:cxnSp>
-            <p:cxnSp>
-              <p:nvCxnSpPr>
-                <p:cNvPr id="98" name="Прямая соединительная линия 97"/>
-                <p:cNvCxnSpPr/>
-                <p:nvPr/>
-              </p:nvCxnSpPr>
-              <p:spPr>
-                <a:xfrm flipV="1">
-                  <a:off x="1047228" y="3942880"/>
-                  <a:ext cx="2588668" cy="2222424"/>
-                </a:xfrm>
-                <a:prstGeom prst="line">
-                  <a:avLst/>
-                </a:prstGeom>
-              </p:spPr>
-              <p:style>
-                <a:lnRef idx="1">
-                  <a:schemeClr val="accent1"/>
-                </a:lnRef>
-                <a:fillRef idx="0">
-                  <a:schemeClr val="accent1"/>
-                </a:fillRef>
-                <a:effectRef idx="0">
-                  <a:schemeClr val="accent1"/>
-                </a:effectRef>
-                <a:fontRef idx="minor">
-                  <a:schemeClr val="tx1"/>
-                </a:fontRef>
-              </p:style>
-            </p:cxnSp>
-            <p:cxnSp>
-              <p:nvCxnSpPr>
-                <p:cNvPr id="99" name="Прямая соединительная линия 98"/>
-                <p:cNvCxnSpPr/>
-                <p:nvPr/>
-              </p:nvCxnSpPr>
-              <p:spPr>
-                <a:xfrm flipV="1">
-                  <a:off x="1047228" y="5057564"/>
-                  <a:ext cx="2588668" cy="1107740"/>
-                </a:xfrm>
-                <a:prstGeom prst="line">
-                  <a:avLst/>
-                </a:prstGeom>
-              </p:spPr>
-              <p:style>
-                <a:lnRef idx="1">
-                  <a:schemeClr val="accent1"/>
-                </a:lnRef>
-                <a:fillRef idx="0">
-                  <a:schemeClr val="accent1"/>
-                </a:fillRef>
-                <a:effectRef idx="0">
-                  <a:schemeClr val="accent1"/>
-                </a:effectRef>
-                <a:fontRef idx="minor">
-                  <a:schemeClr val="tx1"/>
-                </a:fontRef>
-              </p:style>
-            </p:cxnSp>
-          </p:grpSp>
-        </p:grpSp>
-        <p:cxnSp>
-          <p:nvCxnSpPr>
-            <p:cNvPr id="126" name="Прямая соединительная линия 125"/>
-            <p:cNvCxnSpPr>
-              <a:stCxn id="9" idx="6"/>
-              <a:endCxn id="14" idx="2"/>
-            </p:cNvCxnSpPr>
-            <p:nvPr/>
-          </p:nvCxnSpPr>
-          <p:spPr>
-            <a:xfrm flipV="1">
-              <a:off x="1763688" y="6065676"/>
-              <a:ext cx="2588668" cy="27620"/>
-            </a:xfrm>
-            <a:prstGeom prst="line">
-              <a:avLst/>
-            </a:prstGeom>
-          </p:spPr>
-          <p:style>
-            <a:lnRef idx="1">
-              <a:schemeClr val="accent1"/>
-            </a:lnRef>
-            <a:fillRef idx="0">
-              <a:schemeClr val="accent1"/>
-            </a:fillRef>
-            <a:effectRef idx="0">
-              <a:schemeClr val="accent1"/>
-            </a:effectRef>
-            <a:fontRef idx="minor">
-              <a:schemeClr val="tx1"/>
-            </a:fontRef>
-          </p:style>
-        </p:cxnSp>
-        <p:cxnSp>
-          <p:nvCxnSpPr>
-            <p:cNvPr id="128" name="Прямая соединительная линия 127"/>
-            <p:cNvCxnSpPr>
-              <a:stCxn id="14" idx="6"/>
-              <a:endCxn id="20" idx="2"/>
-            </p:cNvCxnSpPr>
-            <p:nvPr/>
-          </p:nvCxnSpPr>
-          <p:spPr>
-            <a:xfrm>
-              <a:off x="4712396" y="6065676"/>
-              <a:ext cx="2588668" cy="0"/>
-            </a:xfrm>
-            <a:prstGeom prst="line">
-              <a:avLst/>
-            </a:prstGeom>
-          </p:spPr>
-          <p:style>
-            <a:lnRef idx="1">
-              <a:schemeClr val="accent1"/>
-            </a:lnRef>
-            <a:fillRef idx="0">
-              <a:schemeClr val="accent1"/>
-            </a:fillRef>
-            <a:effectRef idx="0">
-              <a:schemeClr val="accent1"/>
-            </a:effectRef>
-            <a:fontRef idx="minor">
-              <a:schemeClr val="tx1"/>
-            </a:fontRef>
-          </p:style>
-        </p:cxnSp>
-      </p:grpSp>
+        </p:nvPicPr>
+        <p:blipFill rotWithShape="1">
+          <a:blip r:embed="rId2">
+            <a:extLst>
+              <a:ext uri="{28A0092B-C50C-407E-A947-70E740481C1C}">
+                <a14:useLocalDpi xmlns:a14="http://schemas.microsoft.com/office/drawing/2010/main" val="0"/>
+              </a:ext>
+            </a:extLst>
+          </a:blip>
+          <a:srcRect t="6500" b="31625"/>
+          <a:stretch/>
+        </p:blipFill>
+        <p:spPr bwMode="auto">
+          <a:xfrm>
+            <a:off x="1943708" y="1556792"/>
+            <a:ext cx="5256584" cy="4963690"/>
+          </a:xfrm>
+          <a:prstGeom prst="rect">
+            <a:avLst/>
+          </a:prstGeom>
+          <a:noFill/>
+          <a:ln>
+            <a:noFill/>
+          </a:ln>
+          <a:extLst>
+            <a:ext uri="{53640926-AAD7-44D8-BBD7-CCE9431645EC}">
+              <a14:shadowObscured xmlns:a14="http://schemas.microsoft.com/office/drawing/2010/main"/>
+            </a:ext>
+          </a:extLst>
+        </p:spPr>
+      </p:pic>
     </p:spTree>
     <p:extLst>
       <p:ext uri="{BB962C8B-B14F-4D97-AF65-F5344CB8AC3E}">
-        <p14:creationId xmlns:p14="http://schemas.microsoft.com/office/powerpoint/2010/main" val="1195547238"/>
+        <p14:creationId xmlns:p14="http://schemas.microsoft.com/office/powerpoint/2010/main" val="2538227313"/>
       </p:ext>
     </p:extLst>
   </p:cSld>
@@ -6953,7 +5095,7 @@
       </p:grpSpPr>
       <p:sp>
         <p:nvSpPr>
-          <p:cNvPr id="2" name="Заголовок 1"/>
+          <p:cNvPr id="3" name="Заголовок 2"/>
           <p:cNvSpPr>
             <a:spLocks noGrp="1"/>
           </p:cNvSpPr>
@@ -6961,40 +5103,28 @@
             <p:ph type="title"/>
           </p:nvPr>
         </p:nvSpPr>
-        <p:spPr/>
-        <p:txBody>
-          <a:bodyPr/>
-          <a:lstStyle/>
-          <a:p>
-            <a:endParaRPr lang="ru-RU"/>
-          </a:p>
-        </p:txBody>
-      </p:sp>
-      <p:sp>
-        <p:nvSpPr>
-          <p:cNvPr id="3" name="Объект 2"/>
-          <p:cNvSpPr>
-            <a:spLocks noGrp="1"/>
-          </p:cNvSpPr>
-          <p:nvPr>
-            <p:ph idx="1"/>
-          </p:nvPr>
-        </p:nvSpPr>
-        <p:spPr/>
-        <p:txBody>
-          <a:bodyPr/>
-          <a:lstStyle/>
-          <a:p>
-            <a:endParaRPr lang="ru-RU"/>
+        <p:spPr>
+          <a:xfrm>
+            <a:off x="467544" y="692696"/>
+            <a:ext cx="8229600" cy="850106"/>
+          </a:xfrm>
+        </p:spPr>
+        <p:txBody>
+          <a:bodyPr/>
+          <a:lstStyle/>
+          <a:p>
+            <a:r>
+              <a:rPr lang="ru-RU" dirty="0" smtClean="0"/>
+              <a:t>Азбука Морзе</a:t>
+            </a:r>
+            <a:endParaRPr lang="ru-RU" dirty="0"/>
           </a:p>
         </p:txBody>
       </p:sp>
       <p:pic>
         <p:nvPicPr>
-          <p:cNvPr id="1026" name="Picture 2" descr="D:\Заочка\Курс 3\Операционные системы и системное программирование\Безымянный.png"/>
-          <p:cNvPicPr>
-            <a:picLocks noChangeAspect="1" noChangeArrowheads="1"/>
-          </p:cNvPicPr>
+          <p:cNvPr id="72" name="Рисунок 71"/>
+          <p:cNvPicPr/>
           <p:nvPr/>
         </p:nvPicPr>
         <p:blipFill>
@@ -7012,28 +5142,22 @@
         </p:blipFill>
         <p:spPr bwMode="auto">
           <a:xfrm>
-            <a:off x="1259632" y="205382"/>
-            <a:ext cx="6912768" cy="6381162"/>
+            <a:off x="575556" y="2060848"/>
+            <a:ext cx="8013576" cy="4104456"/>
           </a:xfrm>
           <a:prstGeom prst="rect">
             <a:avLst/>
           </a:prstGeom>
           <a:noFill/>
-          <a:extLst>
-            <a:ext uri="{909E8E84-426E-40DD-AFC4-6F175D3DCCD1}">
-              <a14:hiddenFill xmlns:a14="http://schemas.microsoft.com/office/drawing/2010/main">
-                <a:solidFill>
-                  <a:srgbClr val="FFFFFF"/>
-                </a:solidFill>
-              </a14:hiddenFill>
-            </a:ext>
-          </a:extLst>
+          <a:ln>
+            <a:noFill/>
+          </a:ln>
         </p:spPr>
       </p:pic>
     </p:spTree>
     <p:extLst>
       <p:ext uri="{BB962C8B-B14F-4D97-AF65-F5344CB8AC3E}">
-        <p14:creationId xmlns:p14="http://schemas.microsoft.com/office/powerpoint/2010/main" val="2538227313"/>
+        <p14:creationId xmlns:p14="http://schemas.microsoft.com/office/powerpoint/2010/main" val="1195547238"/>
       </p:ext>
     </p:extLst>
   </p:cSld>
@@ -7070,41 +5194,35 @@
             <p:ph type="title"/>
           </p:nvPr>
         </p:nvSpPr>
-        <p:spPr/>
-        <p:txBody>
-          <a:bodyPr/>
-          <a:lstStyle/>
-          <a:p>
+        <p:spPr>
+          <a:xfrm>
+            <a:off x="395536" y="332656"/>
+            <a:ext cx="8229600" cy="2088232"/>
+          </a:xfrm>
+        </p:spPr>
+        <p:txBody>
+          <a:bodyPr>
+            <a:normAutofit fontScale="90000"/>
+          </a:bodyPr>
+          <a:lstStyle/>
+          <a:p>
+            <a:r>
+              <a:rPr lang="ru-RU" dirty="0" smtClean="0"/>
+              <a:t>Способы кодирования информации применяемые в разных предметных областях</a:t>
+            </a:r>
             <a:endParaRPr lang="ru-RU" dirty="0"/>
-          </a:p>
-        </p:txBody>
-      </p:sp>
-      <p:sp>
-        <p:nvSpPr>
-          <p:cNvPr id="3" name="Объект 2"/>
-          <p:cNvSpPr>
-            <a:spLocks noGrp="1"/>
-          </p:cNvSpPr>
-          <p:nvPr>
-            <p:ph idx="1"/>
-          </p:nvPr>
-        </p:nvSpPr>
-        <p:spPr/>
-        <p:txBody>
-          <a:bodyPr/>
-          <a:lstStyle/>
-          <a:p>
-            <a:endParaRPr lang="ru-RU"/>
           </a:p>
         </p:txBody>
       </p:sp>
       <p:pic>
         <p:nvPicPr>
-          <p:cNvPr id="4" name="Рисунок 3" descr="https://mobiguru.ru/sfiles/images/blocks/2018/3/6/3e008c43a572cf6d924deda5491cb188.jpg"/>
-          <p:cNvPicPr/>
+          <p:cNvPr id="2050" name="Picture 2" descr="https://regnum.ru/uploads/pictures/news/2018/01/03/regnum_picture_1514996799604152_normal.jpg"/>
+          <p:cNvPicPr>
+            <a:picLocks noChangeAspect="1" noChangeArrowheads="1"/>
+          </p:cNvPicPr>
           <p:nvPr/>
         </p:nvPicPr>
-        <p:blipFill>
+        <p:blipFill rotWithShape="1">
           <a:blip r:embed="rId2">
             <a:extLst>
               <a:ext uri="{28A0092B-C50C-407E-A947-70E740481C1C}">
@@ -7112,29 +5230,72 @@
               </a:ext>
             </a:extLst>
           </a:blip>
-          <a:srcRect/>
-          <a:stretch>
-            <a:fillRect/>
-          </a:stretch>
+          <a:srcRect r="4394" b="86607"/>
+          <a:stretch/>
         </p:blipFill>
         <p:spPr bwMode="auto">
           <a:xfrm>
-            <a:off x="251520" y="620688"/>
-            <a:ext cx="8640960" cy="5688632"/>
+            <a:off x="324939" y="2852936"/>
+            <a:ext cx="8582745" cy="1318300"/>
           </a:xfrm>
           <a:prstGeom prst="rect">
             <a:avLst/>
           </a:prstGeom>
           <a:noFill/>
-          <a:ln>
-            <a:noFill/>
-          </a:ln>
+          <a:extLst>
+            <a:ext uri="{909E8E84-426E-40DD-AFC4-6F175D3DCCD1}">
+              <a14:hiddenFill xmlns:a14="http://schemas.microsoft.com/office/drawing/2010/main">
+                <a:solidFill>
+                  <a:srgbClr val="FFFFFF"/>
+                </a:solidFill>
+              </a14:hiddenFill>
+            </a:ext>
+          </a:extLst>
+        </p:spPr>
+      </p:pic>
+      <p:pic>
+        <p:nvPicPr>
+          <p:cNvPr id="2052" name="Picture 4" descr="https://img0.liveinternet.ru/images/attach/d/0/138/134/138134766_russkaya_ruchnaya_azbuka_gluhih_alfavit_gluhonemuyh__2_.jpg"/>
+          <p:cNvPicPr>
+            <a:picLocks noChangeAspect="1" noChangeArrowheads="1"/>
+          </p:cNvPicPr>
+          <p:nvPr/>
+        </p:nvPicPr>
+        <p:blipFill rotWithShape="1">
+          <a:blip r:embed="rId3">
+            <a:extLst>
+              <a:ext uri="{28A0092B-C50C-407E-A947-70E740481C1C}">
+                <a14:useLocalDpi xmlns:a14="http://schemas.microsoft.com/office/drawing/2010/main" val="0"/>
+              </a:ext>
+            </a:extLst>
+          </a:blip>
+          <a:srcRect l="2334" t="7570" r="2001" b="78370"/>
+          <a:stretch/>
+        </p:blipFill>
+        <p:spPr bwMode="auto">
+          <a:xfrm>
+            <a:off x="755576" y="4869160"/>
+            <a:ext cx="7721473" cy="1224136"/>
+          </a:xfrm>
+          <a:prstGeom prst="rect">
+            <a:avLst/>
+          </a:prstGeom>
+          <a:noFill/>
+          <a:extLst>
+            <a:ext uri="{909E8E84-426E-40DD-AFC4-6F175D3DCCD1}">
+              <a14:hiddenFill xmlns:a14="http://schemas.microsoft.com/office/drawing/2010/main">
+                <a:solidFill>
+                  <a:srgbClr val="FFFFFF"/>
+                </a:solidFill>
+              </a14:hiddenFill>
+            </a:ext>
+          </a:extLst>
         </p:spPr>
       </p:pic>
     </p:spTree>
     <p:extLst>
       <p:ext uri="{BB962C8B-B14F-4D97-AF65-F5344CB8AC3E}">
-        <p14:creationId xmlns:p14="http://schemas.microsoft.com/office/powerpoint/2010/main" val="3456839768"/>
+        <p14:creationId xmlns:p14="http://schemas.microsoft.com/office/powerpoint/2010/main" val="2769834638"/>
       </p:ext>
     </p:extLst>
   </p:cSld>

--- a/doc/Prezent.pptx
+++ b/doc/Prezent.pptx
@@ -124,7 +124,7 @@
   </p:defaultTextStyle>
   <p:extLst>
     <p:ext uri="{EFAFB233-063F-42B5-8137-9DF3F51BA10A}">
-      <p15:sldGuideLst xmlns:p15="http://schemas.microsoft.com/office/powerpoint/2012/main">
+      <p15:sldGuideLst xmlns="" xmlns:p15="http://schemas.microsoft.com/office/powerpoint/2012/main">
         <p15:guide id="1" orient="horz" pos="2160">
           <p15:clr>
             <a:srgbClr val="A4A3A4"/>
@@ -322,7 +322,7 @@
           <a:p>
             <a:fld id="{B4C71EC6-210F-42DE-9C53-41977AD35B3D}" type="datetimeFigureOut">
               <a:rPr lang="ru-RU" smtClean="0"/>
-              <a:t>05.06.2019</a:t>
+              <a:t>09.06.2020</a:t>
             </a:fld>
             <a:endParaRPr lang="ru-RU"/>
           </a:p>
@@ -487,7 +487,7 @@
           <a:p>
             <a:fld id="{B4C71EC6-210F-42DE-9C53-41977AD35B3D}" type="datetimeFigureOut">
               <a:rPr lang="ru-RU" smtClean="0"/>
-              <a:t>05.06.2019</a:t>
+              <a:t>09.06.2020</a:t>
             </a:fld>
             <a:endParaRPr lang="ru-RU"/>
           </a:p>
@@ -662,7 +662,7 @@
           <a:p>
             <a:fld id="{B4C71EC6-210F-42DE-9C53-41977AD35B3D}" type="datetimeFigureOut">
               <a:rPr lang="ru-RU" smtClean="0"/>
-              <a:t>05.06.2019</a:t>
+              <a:t>09.06.2020</a:t>
             </a:fld>
             <a:endParaRPr lang="ru-RU"/>
           </a:p>
@@ -827,7 +827,7 @@
           <a:p>
             <a:fld id="{B4C71EC6-210F-42DE-9C53-41977AD35B3D}" type="datetimeFigureOut">
               <a:rPr lang="ru-RU" smtClean="0"/>
-              <a:t>05.06.2019</a:t>
+              <a:t>09.06.2020</a:t>
             </a:fld>
             <a:endParaRPr lang="ru-RU"/>
           </a:p>
@@ -1068,7 +1068,7 @@
           <a:p>
             <a:fld id="{B4C71EC6-210F-42DE-9C53-41977AD35B3D}" type="datetimeFigureOut">
               <a:rPr lang="ru-RU" smtClean="0"/>
-              <a:t>05.06.2019</a:t>
+              <a:t>09.06.2020</a:t>
             </a:fld>
             <a:endParaRPr lang="ru-RU"/>
           </a:p>
@@ -1351,7 +1351,7 @@
           <a:p>
             <a:fld id="{B4C71EC6-210F-42DE-9C53-41977AD35B3D}" type="datetimeFigureOut">
               <a:rPr lang="ru-RU" smtClean="0"/>
-              <a:t>05.06.2019</a:t>
+              <a:t>09.06.2020</a:t>
             </a:fld>
             <a:endParaRPr lang="ru-RU"/>
           </a:p>
@@ -1768,7 +1768,7 @@
           <a:p>
             <a:fld id="{B4C71EC6-210F-42DE-9C53-41977AD35B3D}" type="datetimeFigureOut">
               <a:rPr lang="ru-RU" smtClean="0"/>
-              <a:t>05.06.2019</a:t>
+              <a:t>09.06.2020</a:t>
             </a:fld>
             <a:endParaRPr lang="ru-RU"/>
           </a:p>
@@ -1881,7 +1881,7 @@
           <a:p>
             <a:fld id="{B4C71EC6-210F-42DE-9C53-41977AD35B3D}" type="datetimeFigureOut">
               <a:rPr lang="ru-RU" smtClean="0"/>
-              <a:t>05.06.2019</a:t>
+              <a:t>09.06.2020</a:t>
             </a:fld>
             <a:endParaRPr lang="ru-RU"/>
           </a:p>
@@ -1971,7 +1971,7 @@
           <a:p>
             <a:fld id="{B4C71EC6-210F-42DE-9C53-41977AD35B3D}" type="datetimeFigureOut">
               <a:rPr lang="ru-RU" smtClean="0"/>
-              <a:t>05.06.2019</a:t>
+              <a:t>09.06.2020</a:t>
             </a:fld>
             <a:endParaRPr lang="ru-RU"/>
           </a:p>
@@ -2243,7 +2243,7 @@
           <a:p>
             <a:fld id="{B4C71EC6-210F-42DE-9C53-41977AD35B3D}" type="datetimeFigureOut">
               <a:rPr lang="ru-RU" smtClean="0"/>
-              <a:t>05.06.2019</a:t>
+              <a:t>09.06.2020</a:t>
             </a:fld>
             <a:endParaRPr lang="ru-RU"/>
           </a:p>
@@ -2491,7 +2491,7 @@
           <a:p>
             <a:fld id="{B4C71EC6-210F-42DE-9C53-41977AD35B3D}" type="datetimeFigureOut">
               <a:rPr lang="ru-RU" smtClean="0"/>
-              <a:t>05.06.2019</a:t>
+              <a:t>09.06.2020</a:t>
             </a:fld>
             <a:endParaRPr lang="ru-RU"/>
           </a:p>
@@ -2723,7 +2723,7 @@
           <a:p>
             <a:fld id="{B4C71EC6-210F-42DE-9C53-41977AD35B3D}" type="datetimeFigureOut">
               <a:rPr lang="ru-RU" smtClean="0"/>
-              <a:t>05.06.2019</a:t>
+              <a:t>09.06.2020</a:t>
             </a:fld>
             <a:endParaRPr lang="ru-RU"/>
           </a:p>
@@ -3241,11 +3241,7 @@
             <a:pPr algn="ctr"/>
             <a:r>
               <a:rPr lang="ru-RU" dirty="0" smtClean="0"/>
-              <a:t>Витебск, </a:t>
-            </a:r>
-            <a:r>
-              <a:rPr lang="ru-RU" dirty="0" smtClean="0"/>
-              <a:t>2019</a:t>
+              <a:t>Витебск, 2019</a:t>
             </a:r>
             <a:endParaRPr lang="ru-RU" dirty="0"/>
           </a:p>
@@ -4063,35 +4059,31 @@
       </p:sp>
       <p:pic>
         <p:nvPicPr>
-          <p:cNvPr id="4" name="Рисунок 3"/>
+          <p:cNvPr id="5" name="Рисунок 4"/>
           <p:cNvPicPr/>
           <p:nvPr/>
         </p:nvPicPr>
-        <p:blipFill>
-          <a:blip r:embed="rId2">
-            <a:extLst>
-              <a:ext uri="{28A0092B-C50C-407E-A947-70E740481C1C}">
-                <a14:useLocalDpi xmlns:a14="http://schemas.microsoft.com/office/drawing/2010/main" val="0"/>
-              </a:ext>
-            </a:extLst>
-          </a:blip>
-          <a:srcRect/>
-          <a:stretch>
-            <a:fillRect/>
-          </a:stretch>
+        <p:blipFill rotWithShape="1">
+          <a:blip r:embed="rId2"/>
+          <a:srcRect l="36395" t="32782" r="36348" b="36639"/>
+          <a:stretch/>
         </p:blipFill>
         <p:spPr bwMode="auto">
           <a:xfrm>
-            <a:off x="1367644" y="2276872"/>
-            <a:ext cx="6408711" cy="3754909"/>
+            <a:off x="1979712" y="2132856"/>
+            <a:ext cx="5256584" cy="3248563"/>
           </a:xfrm>
           <a:prstGeom prst="rect">
             <a:avLst/>
           </a:prstGeom>
-          <a:noFill/>
           <a:ln>
             <a:noFill/>
           </a:ln>
+          <a:extLst>
+            <a:ext uri="{53640926-AAD7-44D8-BBD7-CCE9431645EC}">
+              <a14:shadowObscured xmlns:a14="http://schemas.microsoft.com/office/drawing/2010/main"/>
+            </a:ext>
+          </a:extLst>
         </p:spPr>
       </p:pic>
     </p:spTree>
@@ -4177,13 +4169,8 @@
             <a:pPr lvl="0"/>
             <a:r>
               <a:rPr lang="ru-RU" dirty="0" smtClean="0"/>
-              <a:t>Был создан программный продукт, который можно использовать для обучени</a:t>
-            </a:r>
-            <a:r>
-              <a:rPr lang="ru-RU" dirty="0" smtClean="0"/>
-              <a:t>я учащихся в качестве наглядного материала;</a:t>
-            </a:r>
-            <a:endParaRPr lang="ru-RU" dirty="0" smtClean="0"/>
+              <a:t>Был создан программный продукт, который можно использовать для обучения учащихся в качестве наглядного материала;</a:t>
+            </a:r>
           </a:p>
           <a:p>
             <a:pPr lvl="0"/>
@@ -4195,7 +4182,6 @@
               <a:rPr lang="ru-RU" dirty="0" smtClean="0"/>
               <a:t>Разные алгоритмы кодирования и декодирования используются в разных предметных областях для разных целей</a:t>
             </a:r>
-            <a:endParaRPr lang="ru-RU" dirty="0" smtClean="0"/>
           </a:p>
           <a:p>
             <a:endParaRPr lang="ru-RU" dirty="0"/>
@@ -4474,11 +4460,11 @@
             </a:r>
             <a:r>
               <a:rPr lang="ru-RU" sz="2800" dirty="0" smtClean="0"/>
-              <a:t>Понять </a:t>
+              <a:t>Изучить в </a:t>
             </a:r>
             <a:r>
               <a:rPr lang="ru-RU" sz="2800" dirty="0"/>
-              <a:t>в каких случаях какие способы и алгоритмы кодирования и декодирования информации используются.</a:t>
+              <a:t>каких случаях какие способы и алгоритмы кодирования и декодирования информации используются.</a:t>
             </a:r>
           </a:p>
           <a:p>
